--- a/Task 2/GROUP 22 PPT.pptx
+++ b/Task 2/GROUP 22 PPT.pptx
@@ -1,11 +1,11 @@
 
 <file path=ppt/presentation.xml><?xml version="1.0" encoding="utf-8"?>
-<p:presentation xmlns:a="http://schemas.openxmlformats.org/drawingml/2006/main" xmlns:r="http://schemas.openxmlformats.org/officeDocument/2006/relationships" xmlns:p="http://schemas.openxmlformats.org/presentationml/2006/main" saveSubsetFonts="1">
+<p:presentation xmlns:a="http://schemas.openxmlformats.org/drawingml/2006/main" xmlns:r="http://schemas.openxmlformats.org/officeDocument/2006/relationships" xmlns:p="http://schemas.openxmlformats.org/presentationml/2006/main" strictFirstAndLastChars="0" saveSubsetFonts="1" autoCompressPictures="0">
   <p:sldMasterIdLst>
-    <p:sldMasterId id="2147483660" r:id="rId1"/>
+    <p:sldMasterId id="2147483648" r:id="rId1"/>
   </p:sldMasterIdLst>
   <p:notesMasterIdLst>
-    <p:notesMasterId r:id="rId18"/>
+    <p:notesMasterId r:id="rId22"/>
   </p:notesMasterIdLst>
   <p:sldIdLst>
     <p:sldId id="256" r:id="rId2"/>
@@ -13,25 +13,29 @@
     <p:sldId id="258" r:id="rId4"/>
     <p:sldId id="259" r:id="rId5"/>
     <p:sldId id="260" r:id="rId6"/>
-    <p:sldId id="268" r:id="rId7"/>
-    <p:sldId id="269" r:id="rId8"/>
-    <p:sldId id="273" r:id="rId9"/>
-    <p:sldId id="274" r:id="rId10"/>
-    <p:sldId id="275" r:id="rId11"/>
-    <p:sldId id="276" r:id="rId12"/>
-    <p:sldId id="261" r:id="rId13"/>
-    <p:sldId id="262" r:id="rId14"/>
-    <p:sldId id="263" r:id="rId15"/>
-    <p:sldId id="265" r:id="rId16"/>
-    <p:sldId id="272" r:id="rId17"/>
+    <p:sldId id="261" r:id="rId7"/>
+    <p:sldId id="262" r:id="rId8"/>
+    <p:sldId id="263" r:id="rId9"/>
+    <p:sldId id="264" r:id="rId10"/>
+    <p:sldId id="265" r:id="rId11"/>
+    <p:sldId id="266" r:id="rId12"/>
+    <p:sldId id="267" r:id="rId13"/>
+    <p:sldId id="268" r:id="rId14"/>
+    <p:sldId id="269" r:id="rId15"/>
+    <p:sldId id="270" r:id="rId16"/>
+    <p:sldId id="271" r:id="rId17"/>
+    <p:sldId id="272" r:id="rId18"/>
+    <p:sldId id="273" r:id="rId19"/>
+    <p:sldId id="274" r:id="rId20"/>
+    <p:sldId id="275" r:id="rId21"/>
   </p:sldIdLst>
   <p:sldSz cx="9144000" cy="6858000" type="screen4x3"/>
   <p:notesSz cx="6858000" cy="9144000"/>
   <p:defaultTextStyle>
-    <a:defPPr>
+    <a:defPPr lvl="0">
       <a:defRPr lang="en-US"/>
     </a:defPPr>
-    <a:lvl1pPr marL="0" algn="l" defTabSz="914400" rtl="0" eaLnBrk="1" latinLnBrk="0" hangingPunct="1">
+    <a:lvl1pPr marL="0" lvl="0" algn="l" defTabSz="914400" rtl="0" eaLnBrk="1" latinLnBrk="0" hangingPunct="1">
       <a:defRPr sz="1800" kern="1200">
         <a:solidFill>
           <a:schemeClr val="tx1"/>
@@ -41,7 +45,7 @@
         <a:cs typeface="+mn-cs"/>
       </a:defRPr>
     </a:lvl1pPr>
-    <a:lvl2pPr marL="457200" algn="l" defTabSz="914400" rtl="0" eaLnBrk="1" latinLnBrk="0" hangingPunct="1">
+    <a:lvl2pPr marL="457200" lvl="1" algn="l" defTabSz="914400" rtl="0" eaLnBrk="1" latinLnBrk="0" hangingPunct="1">
       <a:defRPr sz="1800" kern="1200">
         <a:solidFill>
           <a:schemeClr val="tx1"/>
@@ -51,7 +55,7 @@
         <a:cs typeface="+mn-cs"/>
       </a:defRPr>
     </a:lvl2pPr>
-    <a:lvl3pPr marL="914400" algn="l" defTabSz="914400" rtl="0" eaLnBrk="1" latinLnBrk="0" hangingPunct="1">
+    <a:lvl3pPr marL="914400" lvl="2" algn="l" defTabSz="914400" rtl="0" eaLnBrk="1" latinLnBrk="0" hangingPunct="1">
       <a:defRPr sz="1800" kern="1200">
         <a:solidFill>
           <a:schemeClr val="tx1"/>
@@ -61,7 +65,7 @@
         <a:cs typeface="+mn-cs"/>
       </a:defRPr>
     </a:lvl3pPr>
-    <a:lvl4pPr marL="1371600" algn="l" defTabSz="914400" rtl="0" eaLnBrk="1" latinLnBrk="0" hangingPunct="1">
+    <a:lvl4pPr marL="1371600" lvl="3" algn="l" defTabSz="914400" rtl="0" eaLnBrk="1" latinLnBrk="0" hangingPunct="1">
       <a:defRPr sz="1800" kern="1200">
         <a:solidFill>
           <a:schemeClr val="tx1"/>
@@ -71,7 +75,7 @@
         <a:cs typeface="+mn-cs"/>
       </a:defRPr>
     </a:lvl4pPr>
-    <a:lvl5pPr marL="1828800" algn="l" defTabSz="914400" rtl="0" eaLnBrk="1" latinLnBrk="0" hangingPunct="1">
+    <a:lvl5pPr marL="1828800" lvl="4" algn="l" defTabSz="914400" rtl="0" eaLnBrk="1" latinLnBrk="0" hangingPunct="1">
       <a:defRPr sz="1800" kern="1200">
         <a:solidFill>
           <a:schemeClr val="tx1"/>
@@ -81,7 +85,7 @@
         <a:cs typeface="+mn-cs"/>
       </a:defRPr>
     </a:lvl5pPr>
-    <a:lvl6pPr marL="2286000" algn="l" defTabSz="914400" rtl="0" eaLnBrk="1" latinLnBrk="0" hangingPunct="1">
+    <a:lvl6pPr marL="2286000" lvl="5" algn="l" defTabSz="914400" rtl="0" eaLnBrk="1" latinLnBrk="0" hangingPunct="1">
       <a:defRPr sz="1800" kern="1200">
         <a:solidFill>
           <a:schemeClr val="tx1"/>
@@ -91,7 +95,7 @@
         <a:cs typeface="+mn-cs"/>
       </a:defRPr>
     </a:lvl6pPr>
-    <a:lvl7pPr marL="2743200" algn="l" defTabSz="914400" rtl="0" eaLnBrk="1" latinLnBrk="0" hangingPunct="1">
+    <a:lvl7pPr marL="2743200" lvl="6" algn="l" defTabSz="914400" rtl="0" eaLnBrk="1" latinLnBrk="0" hangingPunct="1">
       <a:defRPr sz="1800" kern="1200">
         <a:solidFill>
           <a:schemeClr val="tx1"/>
@@ -101,7 +105,7 @@
         <a:cs typeface="+mn-cs"/>
       </a:defRPr>
     </a:lvl7pPr>
-    <a:lvl8pPr marL="3200400" algn="l" defTabSz="914400" rtl="0" eaLnBrk="1" latinLnBrk="0" hangingPunct="1">
+    <a:lvl8pPr marL="3200400" lvl="7" algn="l" defTabSz="914400" rtl="0" eaLnBrk="1" latinLnBrk="0" hangingPunct="1">
       <a:defRPr sz="1800" kern="1200">
         <a:solidFill>
           <a:schemeClr val="tx1"/>
@@ -111,7 +115,7 @@
         <a:cs typeface="+mn-cs"/>
       </a:defRPr>
     </a:lvl8pPr>
-    <a:lvl9pPr marL="3657600" algn="l" defTabSz="914400" rtl="0" eaLnBrk="1" latinLnBrk="0" hangingPunct="1">
+    <a:lvl9pPr marL="3657600" lvl="8" algn="l" defTabSz="914400" rtl="0" eaLnBrk="1" latinLnBrk="0" hangingPunct="1">
       <a:defRPr sz="1800" kern="1200">
         <a:solidFill>
           <a:schemeClr val="tx1"/>
@@ -122,6 +126,22 @@
       </a:defRPr>
     </a:lvl9pPr>
   </p:defaultTextStyle>
+  <p:extLst>
+    <p:ext uri="{EFAFB233-063F-42B5-8137-9DF3F51BA10A}">
+      <p15:sldGuideLst xmlns:ahyp="http://schemas.microsoft.com/office/drawing/2018/hyperlinkcolor" xmlns:p15="http://schemas.microsoft.com/office/powerpoint/2012/main" xmlns:p14="http://schemas.microsoft.com/office/powerpoint/2010/main" xmlns:com="http://schemas.openxmlformats.org/drawingml/2006/compatibility" xmlns:pvml="urn:schemas-microsoft-com:office:powerpoint" xmlns:v="urn:schemas-microsoft-com:vml" xmlns:o="urn:schemas-microsoft-com:office:office" xmlns:dgm="http://schemas.openxmlformats.org/drawingml/2006/diagram" xmlns:c="http://schemas.openxmlformats.org/drawingml/2006/chart" xmlns:mv="urn:schemas-microsoft-com:mac:vml" xmlns:mc="http://schemas.openxmlformats.org/markup-compatibility/2006" xmlns="">
+        <p15:guide id="1" orient="horz" pos="2160">
+          <p15:clr>
+            <a:srgbClr val="A4A3A4"/>
+          </p15:clr>
+        </p15:guide>
+        <p15:guide id="2" pos="2880">
+          <p15:clr>
+            <a:srgbClr val="A4A3A4"/>
+          </p15:clr>
+        </p15:guide>
+      </p15:sldGuideLst>
+    </p:ext>
+  </p:extLst>
 </p:presentation>
 </file>
 
@@ -207,7 +227,7 @@
           <a:p>
             <a:fld id="{B8B13469-F4A4-439F-92F9-A065AA4A8A3D}" type="datetimeFigureOut">
               <a:rPr lang="en-US" smtClean="0"/>
-              <a:t>4/29/2024</a:t>
+              <a:t>5/2/2024</a:t>
             </a:fld>
             <a:endParaRPr lang="en-US"/>
           </a:p>
@@ -271,38 +291,37 @@
           <a:p>
             <a:pPr lvl="0"/>
             <a:r>
-              <a:rPr lang="en-US" smtClean="0"/>
+              <a:rPr lang="en-US"/>
               <a:t>Click to edit Master text styles</a:t>
             </a:r>
           </a:p>
           <a:p>
             <a:pPr lvl="1"/>
             <a:r>
-              <a:rPr lang="en-US" smtClean="0"/>
+              <a:rPr lang="en-US"/>
               <a:t>Second level</a:t>
             </a:r>
           </a:p>
           <a:p>
             <a:pPr lvl="2"/>
             <a:r>
-              <a:rPr lang="en-US" smtClean="0"/>
+              <a:rPr lang="en-US"/>
               <a:t>Third level</a:t>
             </a:r>
           </a:p>
           <a:p>
             <a:pPr lvl="3"/>
             <a:r>
-              <a:rPr lang="en-US" smtClean="0"/>
+              <a:rPr lang="en-US"/>
               <a:t>Fourth level</a:t>
             </a:r>
           </a:p>
           <a:p>
             <a:pPr lvl="4"/>
             <a:r>
-              <a:rPr lang="en-US" smtClean="0"/>
+              <a:rPr lang="en-US"/>
               <a:t>Fifth level</a:t>
             </a:r>
-            <a:endParaRPr lang="en-US"/>
           </a:p>
         </p:txBody>
       </p:sp>
@@ -475,6 +494,90 @@
 </p:notesMaster>
 </file>
 
+<file path=ppt/notesSlides/notesSlide1.xml><?xml version="1.0" encoding="utf-8"?>
+<p:notes xmlns:a="http://schemas.openxmlformats.org/drawingml/2006/main" xmlns:r="http://schemas.openxmlformats.org/officeDocument/2006/relationships" xmlns:p="http://schemas.openxmlformats.org/presentationml/2006/main">
+  <p:cSld>
+    <p:spTree>
+      <p:nvGrpSpPr>
+        <p:cNvPr id="1" name=""/>
+        <p:cNvGrpSpPr/>
+        <p:nvPr/>
+      </p:nvGrpSpPr>
+      <p:grpSpPr>
+        <a:xfrm>
+          <a:off x="0" y="0"/>
+          <a:ext cx="0" cy="0"/>
+          <a:chOff x="0" y="0"/>
+          <a:chExt cx="0" cy="0"/>
+        </a:xfrm>
+      </p:grpSpPr>
+      <p:sp>
+        <p:nvSpPr>
+          <p:cNvPr id="2" name="Slide Image Placeholder 1"/>
+          <p:cNvSpPr>
+            <a:spLocks noGrp="1" noRot="1" noChangeAspect="1"/>
+          </p:cNvSpPr>
+          <p:nvPr>
+            <p:ph type="sldImg"/>
+          </p:nvPr>
+        </p:nvSpPr>
+        <p:spPr/>
+      </p:sp>
+      <p:sp>
+        <p:nvSpPr>
+          <p:cNvPr id="3" name="Notes Placeholder 2"/>
+          <p:cNvSpPr>
+            <a:spLocks noGrp="1"/>
+          </p:cNvSpPr>
+          <p:nvPr>
+            <p:ph type="body" idx="1"/>
+          </p:nvPr>
+        </p:nvSpPr>
+        <p:spPr/>
+        <p:txBody>
+          <a:bodyPr/>
+          <a:lstStyle/>
+          <a:p>
+            <a:endParaRPr lang="en-US" dirty="0"/>
+          </a:p>
+        </p:txBody>
+      </p:sp>
+      <p:sp>
+        <p:nvSpPr>
+          <p:cNvPr id="4" name="Slide Number Placeholder 3"/>
+          <p:cNvSpPr>
+            <a:spLocks noGrp="1"/>
+          </p:cNvSpPr>
+          <p:nvPr>
+            <p:ph type="sldNum" sz="quarter" idx="10"/>
+          </p:nvPr>
+        </p:nvSpPr>
+        <p:spPr/>
+        <p:txBody>
+          <a:bodyPr/>
+          <a:lstStyle/>
+          <a:p>
+            <a:fld id="{ECD64158-BC35-4A80-B878-414B8691EEBB}" type="slidenum">
+              <a:rPr lang="en-US" smtClean="0"/>
+              <a:t>11</a:t>
+            </a:fld>
+            <a:endParaRPr lang="en-US"/>
+          </a:p>
+        </p:txBody>
+      </p:sp>
+    </p:spTree>
+    <p:extLst>
+      <p:ext uri="{BB962C8B-B14F-4D97-AF65-F5344CB8AC3E}">
+        <p14:creationId xmlns:p14="http://schemas.microsoft.com/office/powerpoint/2010/main" val="3429101387"/>
+      </p:ext>
+    </p:extLst>
+  </p:cSld>
+  <p:clrMapOvr>
+    <a:masterClrMapping/>
+  </p:clrMapOvr>
+</p:notes>
+</file>
+
 <file path=ppt/slideLayouts/slideLayout1.xml><?xml version="1.0" encoding="utf-8"?>
 <p:sldLayout xmlns:a="http://schemas.openxmlformats.org/drawingml/2006/main" xmlns:r="http://schemas.openxmlformats.org/officeDocument/2006/relationships" xmlns:p="http://schemas.openxmlformats.org/presentationml/2006/main" showMasterSp="0" type="title" preserve="1">
   <p:cSld name="Title Slide">
@@ -521,10 +624,9 @@
           </a:lstStyle>
           <a:p>
             <a:r>
-              <a:rPr kumimoji="0" lang="en-US" smtClean="0"/>
+              <a:rPr kumimoji="0" lang="en-US"/>
               <a:t>Click to edit Master title style</a:t>
             </a:r>
-            <a:endParaRPr kumimoji="0" lang="en-US"/>
           </a:p>
         </p:txBody>
       </p:sp>
@@ -585,10 +687,9 @@
           </a:lstStyle>
           <a:p>
             <a:r>
-              <a:rPr kumimoji="0" lang="en-US" smtClean="0"/>
+              <a:rPr kumimoji="0" lang="en-US"/>
               <a:t>Click to edit Master subtitle style</a:t>
             </a:r>
-            <a:endParaRPr kumimoji="0" lang="en-US"/>
           </a:p>
         </p:txBody>
       </p:sp>
@@ -618,7 +719,7 @@
           <a:p>
             <a:fld id="{2B72D4CF-9EB5-4D32-A6AD-DC5D1F329725}" type="datetimeFigureOut">
               <a:rPr lang="en-US" smtClean="0"/>
-              <a:t>4/29/2024</a:t>
+              <a:t>5/2/2024</a:t>
             </a:fld>
             <a:endParaRPr lang="en-US"/>
           </a:p>
@@ -901,10 +1002,9 @@
           <a:lstStyle/>
           <a:p>
             <a:r>
-              <a:rPr kumimoji="0" lang="en-US" smtClean="0"/>
+              <a:rPr kumimoji="0" lang="en-US"/>
               <a:t>Click to edit Master title style</a:t>
             </a:r>
-            <a:endParaRPr kumimoji="0" lang="en-US"/>
           </a:p>
         </p:txBody>
       </p:sp>
@@ -925,35 +1025,35 @@
           <a:p>
             <a:pPr lvl="0" eaLnBrk="1" latinLnBrk="0" hangingPunct="1"/>
             <a:r>
-              <a:rPr lang="en-US" smtClean="0"/>
+              <a:rPr lang="en-US"/>
               <a:t>Click to edit Master text styles</a:t>
             </a:r>
           </a:p>
           <a:p>
             <a:pPr lvl="1" eaLnBrk="1" latinLnBrk="0" hangingPunct="1"/>
             <a:r>
-              <a:rPr lang="en-US" smtClean="0"/>
+              <a:rPr lang="en-US"/>
               <a:t>Second level</a:t>
             </a:r>
           </a:p>
           <a:p>
             <a:pPr lvl="2" eaLnBrk="1" latinLnBrk="0" hangingPunct="1"/>
             <a:r>
-              <a:rPr lang="en-US" smtClean="0"/>
+              <a:rPr lang="en-US"/>
               <a:t>Third level</a:t>
             </a:r>
           </a:p>
           <a:p>
             <a:pPr lvl="3" eaLnBrk="1" latinLnBrk="0" hangingPunct="1"/>
             <a:r>
-              <a:rPr lang="en-US" smtClean="0"/>
+              <a:rPr lang="en-US"/>
               <a:t>Fourth level</a:t>
             </a:r>
           </a:p>
           <a:p>
             <a:pPr lvl="4" eaLnBrk="1" latinLnBrk="0" hangingPunct="1"/>
             <a:r>
-              <a:rPr lang="en-US" smtClean="0"/>
+              <a:rPr lang="en-US"/>
               <a:t>Fifth level</a:t>
             </a:r>
             <a:endParaRPr kumimoji="0" lang="en-US"/>
@@ -977,7 +1077,7 @@
           <a:p>
             <a:fld id="{2B72D4CF-9EB5-4D32-A6AD-DC5D1F329725}" type="datetimeFigureOut">
               <a:rPr lang="en-US" smtClean="0"/>
-              <a:t>4/29/2024</a:t>
+              <a:t>5/2/2024</a:t>
             </a:fld>
             <a:endParaRPr lang="en-US"/>
           </a:p>
@@ -1071,10 +1171,9 @@
           <a:lstStyle/>
           <a:p>
             <a:r>
-              <a:rPr kumimoji="0" lang="en-US" smtClean="0"/>
+              <a:rPr kumimoji="0" lang="en-US"/>
               <a:t>Click to edit Master title style</a:t>
             </a:r>
-            <a:endParaRPr kumimoji="0" lang="en-US"/>
           </a:p>
         </p:txBody>
       </p:sp>
@@ -1100,35 +1199,35 @@
           <a:p>
             <a:pPr lvl="0" eaLnBrk="1" latinLnBrk="0" hangingPunct="1"/>
             <a:r>
-              <a:rPr lang="en-US" smtClean="0"/>
+              <a:rPr lang="en-US"/>
               <a:t>Click to edit Master text styles</a:t>
             </a:r>
           </a:p>
           <a:p>
             <a:pPr lvl="1" eaLnBrk="1" latinLnBrk="0" hangingPunct="1"/>
             <a:r>
-              <a:rPr lang="en-US" smtClean="0"/>
+              <a:rPr lang="en-US"/>
               <a:t>Second level</a:t>
             </a:r>
           </a:p>
           <a:p>
             <a:pPr lvl="2" eaLnBrk="1" latinLnBrk="0" hangingPunct="1"/>
             <a:r>
-              <a:rPr lang="en-US" smtClean="0"/>
+              <a:rPr lang="en-US"/>
               <a:t>Third level</a:t>
             </a:r>
           </a:p>
           <a:p>
             <a:pPr lvl="3" eaLnBrk="1" latinLnBrk="0" hangingPunct="1"/>
             <a:r>
-              <a:rPr lang="en-US" smtClean="0"/>
+              <a:rPr lang="en-US"/>
               <a:t>Fourth level</a:t>
             </a:r>
           </a:p>
           <a:p>
             <a:pPr lvl="4" eaLnBrk="1" latinLnBrk="0" hangingPunct="1"/>
             <a:r>
-              <a:rPr lang="en-US" smtClean="0"/>
+              <a:rPr lang="en-US"/>
               <a:t>Fifth level</a:t>
             </a:r>
             <a:endParaRPr kumimoji="0" lang="en-US"/>
@@ -1152,7 +1251,7 @@
           <a:p>
             <a:fld id="{2B72D4CF-9EB5-4D32-A6AD-DC5D1F329725}" type="datetimeFigureOut">
               <a:rPr lang="en-US" smtClean="0"/>
-              <a:t>4/29/2024</a:t>
+              <a:t>5/2/2024</a:t>
             </a:fld>
             <a:endParaRPr lang="en-US"/>
           </a:p>
@@ -1363,10 +1462,9 @@
           <a:lstStyle/>
           <a:p>
             <a:r>
-              <a:rPr kumimoji="0" lang="en-US" smtClean="0"/>
+              <a:rPr kumimoji="0" lang="en-US"/>
               <a:t>Click to edit Master title style</a:t>
             </a:r>
-            <a:endParaRPr kumimoji="0" lang="en-US"/>
           </a:p>
         </p:txBody>
       </p:sp>
@@ -1387,7 +1485,7 @@
           <a:p>
             <a:fld id="{2B72D4CF-9EB5-4D32-A6AD-DC5D1F329725}" type="datetimeFigureOut">
               <a:rPr lang="en-US" smtClean="0"/>
-              <a:t>4/29/2024</a:t>
+              <a:t>5/2/2024</a:t>
             </a:fld>
             <a:endParaRPr lang="en-US"/>
           </a:p>
@@ -1457,35 +1555,35 @@
           <a:p>
             <a:pPr lvl="0" eaLnBrk="1" latinLnBrk="0" hangingPunct="1"/>
             <a:r>
-              <a:rPr lang="en-US" smtClean="0"/>
+              <a:rPr lang="en-US"/>
               <a:t>Click to edit Master text styles</a:t>
             </a:r>
           </a:p>
           <a:p>
             <a:pPr lvl="1" eaLnBrk="1" latinLnBrk="0" hangingPunct="1"/>
             <a:r>
-              <a:rPr lang="en-US" smtClean="0"/>
+              <a:rPr lang="en-US"/>
               <a:t>Second level</a:t>
             </a:r>
           </a:p>
           <a:p>
             <a:pPr lvl="2" eaLnBrk="1" latinLnBrk="0" hangingPunct="1"/>
             <a:r>
-              <a:rPr lang="en-US" smtClean="0"/>
+              <a:rPr lang="en-US"/>
               <a:t>Third level</a:t>
             </a:r>
           </a:p>
           <a:p>
             <a:pPr lvl="3" eaLnBrk="1" latinLnBrk="0" hangingPunct="1"/>
             <a:r>
-              <a:rPr lang="en-US" smtClean="0"/>
+              <a:rPr lang="en-US"/>
               <a:t>Fourth level</a:t>
             </a:r>
           </a:p>
           <a:p>
             <a:pPr lvl="4" eaLnBrk="1" latinLnBrk="0" hangingPunct="1"/>
             <a:r>
-              <a:rPr lang="en-US" smtClean="0"/>
+              <a:rPr lang="en-US"/>
               <a:t>Fifth level</a:t>
             </a:r>
             <a:endParaRPr kumimoji="0" lang="en-US"/>
@@ -1548,10 +1646,9 @@
           </a:lstStyle>
           <a:p>
             <a:r>
-              <a:rPr kumimoji="0" lang="en-US" smtClean="0"/>
+              <a:rPr kumimoji="0" lang="en-US"/>
               <a:t>Click to edit Master title style</a:t>
             </a:r>
-            <a:endParaRPr kumimoji="0" lang="en-US"/>
           </a:p>
         </p:txBody>
       </p:sp>
@@ -1628,7 +1725,7 @@
           <a:p>
             <a:pPr lvl="0" eaLnBrk="1" latinLnBrk="0" hangingPunct="1"/>
             <a:r>
-              <a:rPr kumimoji="0" lang="en-US" smtClean="0"/>
+              <a:rPr kumimoji="0" lang="en-US"/>
               <a:t>Click to edit Master text styles</a:t>
             </a:r>
           </a:p>
@@ -1656,7 +1753,7 @@
           <a:p>
             <a:fld id="{2B72D4CF-9EB5-4D32-A6AD-DC5D1F329725}" type="datetimeFigureOut">
               <a:rPr lang="en-US" smtClean="0"/>
-              <a:t>4/29/2024</a:t>
+              <a:t>5/2/2024</a:t>
             </a:fld>
             <a:endParaRPr lang="en-US"/>
           </a:p>
@@ -1852,10 +1949,9 @@
           <a:lstStyle/>
           <a:p>
             <a:r>
-              <a:rPr kumimoji="0" lang="en-US" smtClean="0"/>
+              <a:rPr kumimoji="0" lang="en-US"/>
               <a:t>Click to edit Master title style</a:t>
             </a:r>
-            <a:endParaRPr kumimoji="0" lang="en-US"/>
           </a:p>
         </p:txBody>
       </p:sp>
@@ -1876,7 +1972,7 @@
           <a:p>
             <a:fld id="{2B72D4CF-9EB5-4D32-A6AD-DC5D1F329725}" type="datetimeFigureOut">
               <a:rPr lang="en-US" smtClean="0"/>
-              <a:t>4/29/2024</a:t>
+              <a:t>5/2/2024</a:t>
             </a:fld>
             <a:endParaRPr lang="en-US"/>
           </a:p>
@@ -1946,35 +2042,35 @@
           <a:p>
             <a:pPr lvl="0" eaLnBrk="1" latinLnBrk="0" hangingPunct="1"/>
             <a:r>
-              <a:rPr lang="en-US" smtClean="0"/>
+              <a:rPr lang="en-US"/>
               <a:t>Click to edit Master text styles</a:t>
             </a:r>
           </a:p>
           <a:p>
             <a:pPr lvl="1" eaLnBrk="1" latinLnBrk="0" hangingPunct="1"/>
             <a:r>
-              <a:rPr lang="en-US" smtClean="0"/>
+              <a:rPr lang="en-US"/>
               <a:t>Second level</a:t>
             </a:r>
           </a:p>
           <a:p>
             <a:pPr lvl="2" eaLnBrk="1" latinLnBrk="0" hangingPunct="1"/>
             <a:r>
-              <a:rPr lang="en-US" smtClean="0"/>
+              <a:rPr lang="en-US"/>
               <a:t>Third level</a:t>
             </a:r>
           </a:p>
           <a:p>
             <a:pPr lvl="3" eaLnBrk="1" latinLnBrk="0" hangingPunct="1"/>
             <a:r>
-              <a:rPr lang="en-US" smtClean="0"/>
+              <a:rPr lang="en-US"/>
               <a:t>Fourth level</a:t>
             </a:r>
           </a:p>
           <a:p>
             <a:pPr lvl="4" eaLnBrk="1" latinLnBrk="0" hangingPunct="1"/>
             <a:r>
-              <a:rPr lang="en-US" smtClean="0"/>
+              <a:rPr lang="en-US"/>
               <a:t>Fifth level</a:t>
             </a:r>
             <a:endParaRPr kumimoji="0" lang="en-US"/>
@@ -2003,35 +2099,35 @@
           <a:p>
             <a:pPr lvl="0" eaLnBrk="1" latinLnBrk="0" hangingPunct="1"/>
             <a:r>
-              <a:rPr lang="en-US" smtClean="0"/>
+              <a:rPr lang="en-US"/>
               <a:t>Click to edit Master text styles</a:t>
             </a:r>
           </a:p>
           <a:p>
             <a:pPr lvl="1" eaLnBrk="1" latinLnBrk="0" hangingPunct="1"/>
             <a:r>
-              <a:rPr lang="en-US" smtClean="0"/>
+              <a:rPr lang="en-US"/>
               <a:t>Second level</a:t>
             </a:r>
           </a:p>
           <a:p>
             <a:pPr lvl="2" eaLnBrk="1" latinLnBrk="0" hangingPunct="1"/>
             <a:r>
-              <a:rPr lang="en-US" smtClean="0"/>
+              <a:rPr lang="en-US"/>
               <a:t>Third level</a:t>
             </a:r>
           </a:p>
           <a:p>
             <a:pPr lvl="3" eaLnBrk="1" latinLnBrk="0" hangingPunct="1"/>
             <a:r>
-              <a:rPr lang="en-US" smtClean="0"/>
+              <a:rPr lang="en-US"/>
               <a:t>Fourth level</a:t>
             </a:r>
           </a:p>
           <a:p>
             <a:pPr lvl="4" eaLnBrk="1" latinLnBrk="0" hangingPunct="1"/>
             <a:r>
-              <a:rPr lang="en-US" smtClean="0"/>
+              <a:rPr lang="en-US"/>
               <a:t>Fifth level</a:t>
             </a:r>
             <a:endParaRPr kumimoji="0" lang="en-US"/>
@@ -2088,10 +2184,9 @@
           </a:lstStyle>
           <a:p>
             <a:r>
-              <a:rPr kumimoji="0" lang="en-US" smtClean="0"/>
+              <a:rPr kumimoji="0" lang="en-US"/>
               <a:t>Click to edit Master title style</a:t>
             </a:r>
-            <a:endParaRPr kumimoji="0" lang="en-US"/>
           </a:p>
         </p:txBody>
       </p:sp>
@@ -2148,7 +2243,7 @@
           <a:p>
             <a:pPr lvl="0" eaLnBrk="1" latinLnBrk="0" hangingPunct="1"/>
             <a:r>
-              <a:rPr kumimoji="0" lang="en-US" smtClean="0"/>
+              <a:rPr kumimoji="0" lang="en-US"/>
               <a:t>Click to edit Master text styles</a:t>
             </a:r>
           </a:p>
@@ -2205,7 +2300,7 @@
           <a:p>
             <a:pPr lvl="0" eaLnBrk="1" latinLnBrk="0" hangingPunct="1"/>
             <a:r>
-              <a:rPr kumimoji="0" lang="en-US" smtClean="0"/>
+              <a:rPr kumimoji="0" lang="en-US"/>
               <a:t>Click to edit Master text styles</a:t>
             </a:r>
           </a:p>
@@ -2228,7 +2323,7 @@
           <a:p>
             <a:fld id="{2B72D4CF-9EB5-4D32-A6AD-DC5D1F329725}" type="datetimeFigureOut">
               <a:rPr lang="en-US" smtClean="0"/>
-              <a:t>4/29/2024</a:t>
+              <a:t>5/2/2024</a:t>
             </a:fld>
             <a:endParaRPr lang="en-US"/>
           </a:p>
@@ -2298,35 +2393,35 @@
           <a:p>
             <a:pPr lvl="0" eaLnBrk="1" latinLnBrk="0" hangingPunct="1"/>
             <a:r>
-              <a:rPr lang="en-US" smtClean="0"/>
+              <a:rPr lang="en-US"/>
               <a:t>Click to edit Master text styles</a:t>
             </a:r>
           </a:p>
           <a:p>
             <a:pPr lvl="1" eaLnBrk="1" latinLnBrk="0" hangingPunct="1"/>
             <a:r>
-              <a:rPr lang="en-US" smtClean="0"/>
+              <a:rPr lang="en-US"/>
               <a:t>Second level</a:t>
             </a:r>
           </a:p>
           <a:p>
             <a:pPr lvl="2" eaLnBrk="1" latinLnBrk="0" hangingPunct="1"/>
             <a:r>
-              <a:rPr lang="en-US" smtClean="0"/>
+              <a:rPr lang="en-US"/>
               <a:t>Third level</a:t>
             </a:r>
           </a:p>
           <a:p>
             <a:pPr lvl="3" eaLnBrk="1" latinLnBrk="0" hangingPunct="1"/>
             <a:r>
-              <a:rPr lang="en-US" smtClean="0"/>
+              <a:rPr lang="en-US"/>
               <a:t>Fourth level</a:t>
             </a:r>
           </a:p>
           <a:p>
             <a:pPr lvl="4" eaLnBrk="1" latinLnBrk="0" hangingPunct="1"/>
             <a:r>
-              <a:rPr lang="en-US" smtClean="0"/>
+              <a:rPr lang="en-US"/>
               <a:t>Fifth level</a:t>
             </a:r>
             <a:endParaRPr kumimoji="0" lang="en-US"/>
@@ -2355,35 +2450,35 @@
           <a:p>
             <a:pPr lvl="0" eaLnBrk="1" latinLnBrk="0" hangingPunct="1"/>
             <a:r>
-              <a:rPr lang="en-US" smtClean="0"/>
+              <a:rPr lang="en-US"/>
               <a:t>Click to edit Master text styles</a:t>
             </a:r>
           </a:p>
           <a:p>
             <a:pPr lvl="1" eaLnBrk="1" latinLnBrk="0" hangingPunct="1"/>
             <a:r>
-              <a:rPr lang="en-US" smtClean="0"/>
+              <a:rPr lang="en-US"/>
               <a:t>Second level</a:t>
             </a:r>
           </a:p>
           <a:p>
             <a:pPr lvl="2" eaLnBrk="1" latinLnBrk="0" hangingPunct="1"/>
             <a:r>
-              <a:rPr lang="en-US" smtClean="0"/>
+              <a:rPr lang="en-US"/>
               <a:t>Third level</a:t>
             </a:r>
           </a:p>
           <a:p>
             <a:pPr lvl="3" eaLnBrk="1" latinLnBrk="0" hangingPunct="1"/>
             <a:r>
-              <a:rPr lang="en-US" smtClean="0"/>
+              <a:rPr lang="en-US"/>
               <a:t>Fourth level</a:t>
             </a:r>
           </a:p>
           <a:p>
             <a:pPr lvl="4" eaLnBrk="1" latinLnBrk="0" hangingPunct="1"/>
             <a:r>
-              <a:rPr lang="en-US" smtClean="0"/>
+              <a:rPr lang="en-US"/>
               <a:t>Fifth level</a:t>
             </a:r>
             <a:endParaRPr kumimoji="0" lang="en-US"/>
@@ -2436,10 +2531,9 @@
           <a:lstStyle/>
           <a:p>
             <a:r>
-              <a:rPr kumimoji="0" lang="en-US" smtClean="0"/>
+              <a:rPr kumimoji="0" lang="en-US"/>
               <a:t>Click to edit Master title style</a:t>
             </a:r>
-            <a:endParaRPr kumimoji="0" lang="en-US"/>
           </a:p>
         </p:txBody>
       </p:sp>
@@ -2460,7 +2554,7 @@
           <a:p>
             <a:fld id="{2B72D4CF-9EB5-4D32-A6AD-DC5D1F329725}" type="datetimeFigureOut">
               <a:rPr lang="en-US" smtClean="0"/>
-              <a:t>4/29/2024</a:t>
+              <a:t>5/2/2024</a:t>
             </a:fld>
             <a:endParaRPr lang="en-US"/>
           </a:p>
@@ -2600,7 +2694,7 @@
           <a:p>
             <a:fld id="{2B72D4CF-9EB5-4D32-A6AD-DC5D1F329725}" type="datetimeFigureOut">
               <a:rPr lang="en-US" smtClean="0"/>
-              <a:t>4/29/2024</a:t>
+              <a:t>5/2/2024</a:t>
             </a:fld>
             <a:endParaRPr lang="en-US"/>
           </a:p>
@@ -2794,10 +2888,9 @@
           </a:lstStyle>
           <a:p>
             <a:r>
-              <a:rPr kumimoji="0" lang="en-US" smtClean="0"/>
+              <a:rPr kumimoji="0" lang="en-US"/>
               <a:t>Click to edit Master title style</a:t>
             </a:r>
-            <a:endParaRPr kumimoji="0" lang="en-US"/>
           </a:p>
         </p:txBody>
       </p:sp>
@@ -2854,7 +2947,7 @@
           <a:p>
             <a:pPr lvl="0" eaLnBrk="1" latinLnBrk="0" hangingPunct="1"/>
             <a:r>
-              <a:rPr kumimoji="0" lang="en-US" smtClean="0"/>
+              <a:rPr kumimoji="0" lang="en-US"/>
               <a:t>Click to edit Master text styles</a:t>
             </a:r>
           </a:p>
@@ -2877,7 +2970,7 @@
           <a:p>
             <a:fld id="{2B72D4CF-9EB5-4D32-A6AD-DC5D1F329725}" type="datetimeFigureOut">
               <a:rPr lang="en-US" smtClean="0"/>
-              <a:t>4/29/2024</a:t>
+              <a:t>5/2/2024</a:t>
             </a:fld>
             <a:endParaRPr lang="en-US"/>
           </a:p>
@@ -3069,35 +3162,35 @@
           <a:p>
             <a:pPr lvl="0" eaLnBrk="1" latinLnBrk="0" hangingPunct="1"/>
             <a:r>
-              <a:rPr lang="en-US" smtClean="0"/>
+              <a:rPr lang="en-US"/>
               <a:t>Click to edit Master text styles</a:t>
             </a:r>
           </a:p>
           <a:p>
             <a:pPr lvl="1" eaLnBrk="1" latinLnBrk="0" hangingPunct="1"/>
             <a:r>
-              <a:rPr lang="en-US" smtClean="0"/>
+              <a:rPr lang="en-US"/>
               <a:t>Second level</a:t>
             </a:r>
           </a:p>
           <a:p>
             <a:pPr lvl="2" eaLnBrk="1" latinLnBrk="0" hangingPunct="1"/>
             <a:r>
-              <a:rPr lang="en-US" smtClean="0"/>
+              <a:rPr lang="en-US"/>
               <a:t>Third level</a:t>
             </a:r>
           </a:p>
           <a:p>
             <a:pPr lvl="3" eaLnBrk="1" latinLnBrk="0" hangingPunct="1"/>
             <a:r>
-              <a:rPr lang="en-US" smtClean="0"/>
+              <a:rPr lang="en-US"/>
               <a:t>Fourth level</a:t>
             </a:r>
           </a:p>
           <a:p>
             <a:pPr lvl="4" eaLnBrk="1" latinLnBrk="0" hangingPunct="1"/>
             <a:r>
-              <a:rPr lang="en-US" smtClean="0"/>
+              <a:rPr lang="en-US"/>
               <a:t>Fifth level</a:t>
             </a:r>
             <a:endParaRPr kumimoji="0" lang="en-US"/>
@@ -3169,10 +3262,9 @@
           </a:lstStyle>
           <a:p>
             <a:r>
-              <a:rPr kumimoji="0" lang="en-US" smtClean="0"/>
+              <a:rPr kumimoji="0" lang="en-US"/>
               <a:t>Click to edit Master title style</a:t>
             </a:r>
-            <a:endParaRPr kumimoji="0" lang="en-US"/>
           </a:p>
         </p:txBody>
       </p:sp>
@@ -3214,7 +3306,7 @@
           </a:lstStyle>
           <a:p>
             <a:r>
-              <a:rPr kumimoji="0" lang="en-US" smtClean="0"/>
+              <a:rPr kumimoji="0" lang="en-US"/>
               <a:t>Click icon to add picture</a:t>
             </a:r>
             <a:endParaRPr kumimoji="0" lang="en-US" dirty="0"/>
@@ -3261,7 +3353,7 @@
           <a:p>
             <a:pPr lvl="0" eaLnBrk="1" latinLnBrk="0" hangingPunct="1"/>
             <a:r>
-              <a:rPr kumimoji="0" lang="en-US" smtClean="0"/>
+              <a:rPr kumimoji="0" lang="en-US"/>
               <a:t>Click to edit Master text styles</a:t>
             </a:r>
           </a:p>
@@ -3284,7 +3376,7 @@
           <a:p>
             <a:fld id="{2B72D4CF-9EB5-4D32-A6AD-DC5D1F329725}" type="datetimeFigureOut">
               <a:rPr lang="en-US" smtClean="0"/>
-              <a:t>4/29/2024</a:t>
+              <a:t>5/2/2024</a:t>
             </a:fld>
             <a:endParaRPr lang="en-US"/>
           </a:p>
@@ -3520,10 +3612,9 @@
           <a:lstStyle/>
           <a:p>
             <a:r>
-              <a:rPr kumimoji="0" lang="en-US" smtClean="0"/>
+              <a:rPr kumimoji="0" lang="en-US"/>
               <a:t>Click to edit Master title style</a:t>
             </a:r>
-            <a:endParaRPr kumimoji="0" lang="en-US"/>
           </a:p>
         </p:txBody>
       </p:sp>
@@ -3554,38 +3645,37 @@
           <a:p>
             <a:pPr lvl="0" eaLnBrk="1" latinLnBrk="0" hangingPunct="1"/>
             <a:r>
-              <a:rPr kumimoji="0" lang="en-US" smtClean="0"/>
+              <a:rPr kumimoji="0" lang="en-US"/>
               <a:t>Click to edit Master text styles</a:t>
             </a:r>
           </a:p>
           <a:p>
             <a:pPr lvl="1" eaLnBrk="1" latinLnBrk="0" hangingPunct="1"/>
             <a:r>
-              <a:rPr kumimoji="0" lang="en-US" smtClean="0"/>
+              <a:rPr kumimoji="0" lang="en-US"/>
               <a:t>Second level</a:t>
             </a:r>
           </a:p>
           <a:p>
             <a:pPr lvl="2" eaLnBrk="1" latinLnBrk="0" hangingPunct="1"/>
             <a:r>
-              <a:rPr kumimoji="0" lang="en-US" smtClean="0"/>
+              <a:rPr kumimoji="0" lang="en-US"/>
               <a:t>Third level</a:t>
             </a:r>
           </a:p>
           <a:p>
             <a:pPr lvl="3" eaLnBrk="1" latinLnBrk="0" hangingPunct="1"/>
             <a:r>
-              <a:rPr kumimoji="0" lang="en-US" smtClean="0"/>
+              <a:rPr kumimoji="0" lang="en-US"/>
               <a:t>Fourth level</a:t>
             </a:r>
           </a:p>
           <a:p>
             <a:pPr lvl="4" eaLnBrk="1" latinLnBrk="0" hangingPunct="1"/>
             <a:r>
-              <a:rPr kumimoji="0" lang="en-US" smtClean="0"/>
+              <a:rPr kumimoji="0" lang="en-US"/>
               <a:t>Fifth level</a:t>
             </a:r>
-            <a:endParaRPr kumimoji="0" lang="en-US"/>
           </a:p>
         </p:txBody>
       </p:sp>
@@ -3622,7 +3712,7 @@
           <a:p>
             <a:fld id="{2B72D4CF-9EB5-4D32-A6AD-DC5D1F329725}" type="datetimeFigureOut">
               <a:rPr lang="en-US" smtClean="0"/>
-              <a:t>4/29/2024</a:t>
+              <a:t>5/2/2024</a:t>
             </a:fld>
             <a:endParaRPr lang="en-US"/>
           </a:p>
@@ -4177,15 +4267,9 @@
               <a:buNone/>
             </a:pPr>
             <a:r>
-              <a:rPr lang="en-US" sz="4800" dirty="0" smtClean="0"/>
+              <a:rPr lang="en-US" sz="4800" dirty="0"/>
               <a:t>REQUIREMENTS GATHERING</a:t>
             </a:r>
-          </a:p>
-          <a:p>
-            <a:pPr marL="0" indent="0" algn="ctr">
-              <a:buNone/>
-            </a:pPr>
-            <a:endParaRPr lang="en-US" sz="2400" dirty="0" smtClean="0"/>
           </a:p>
           <a:p>
             <a:pPr marL="0" indent="0" algn="ctr">
@@ -4197,8 +4281,14 @@
             <a:pPr marL="0" indent="0" algn="ctr">
               <a:buNone/>
             </a:pPr>
-            <a:r>
-              <a:rPr lang="en-US" sz="2400" dirty="0" smtClean="0"/>
+            <a:endParaRPr lang="en-US" sz="2400" dirty="0"/>
+          </a:p>
+          <a:p>
+            <a:pPr marL="0" indent="0" algn="ctr">
+              <a:buNone/>
+            </a:pPr>
+            <a:r>
+              <a:rPr lang="en-US" sz="2400" dirty="0"/>
               <a:t>GROUP 22</a:t>
             </a:r>
           </a:p>
@@ -4236,7 +4326,13 @@
       </p:grpSpPr>
       <p:sp>
         <p:nvSpPr>
-          <p:cNvPr id="4" name="Title 3"/>
+          <p:cNvPr id="2" name="Title 1">
+            <a:extLst>
+              <a:ext uri="{FF2B5EF4-FFF2-40B4-BE49-F238E27FC236}">
+                <a16:creationId xmlns:a16="http://schemas.microsoft.com/office/drawing/2014/main" xmlns="" id="{F1249CAC-4E97-030D-3968-17E8201C7A8D}"/>
+              </a:ext>
+            </a:extLst>
+          </p:cNvPr>
           <p:cNvSpPr>
             <a:spLocks noGrp="1"/>
           </p:cNvSpPr>
@@ -4250,217 +4346,79 @@
           <a:lstStyle/>
           <a:p>
             <a:r>
-              <a:rPr lang="en-US" dirty="0" smtClean="0"/>
-              <a:t>Citizen Interviews</a:t>
-            </a:r>
-            <a:endParaRPr lang="en-US" dirty="0"/>
-          </a:p>
-        </p:txBody>
-      </p:sp>
-      <p:sp>
-        <p:nvSpPr>
-          <p:cNvPr id="6" name="Content Placeholder 5"/>
-          <p:cNvSpPr>
-            <a:spLocks noGrp="1"/>
-          </p:cNvSpPr>
-          <p:nvPr>
-            <p:ph sz="quarter" idx="2"/>
-          </p:nvPr>
-        </p:nvSpPr>
-        <p:spPr>
-          <a:xfrm>
-            <a:off x="3276600" y="1216152"/>
-            <a:ext cx="5397246" cy="4937760"/>
-          </a:xfrm>
-        </p:spPr>
-        <p:txBody>
-          <a:bodyPr>
-            <a:normAutofit/>
-          </a:bodyPr>
-          <a:lstStyle/>
-          <a:p>
-            <a:pPr marL="0" lvl="0" indent="0">
-              <a:lnSpc>
-                <a:spcPct val="150000"/>
-              </a:lnSpc>
-              <a:spcBef>
-                <a:spcPts val="0"/>
-              </a:spcBef>
-              <a:buClr>
-                <a:srgbClr val="1F1F1F"/>
-              </a:buClr>
-              <a:buSzPts val="2000"/>
-              <a:buNone/>
-            </a:pPr>
-            <a:endParaRPr lang="en-US" sz="2200" dirty="0" smtClean="0">
-              <a:solidFill>
-                <a:schemeClr val="tx2"/>
-              </a:solidFill>
-              <a:ea typeface="Arial"/>
-              <a:cs typeface="Arial"/>
-              <a:sym typeface="Arial"/>
-            </a:endParaRPr>
-          </a:p>
-          <a:p>
-            <a:pPr marL="0" lvl="0" indent="0">
-              <a:lnSpc>
-                <a:spcPct val="150000"/>
-              </a:lnSpc>
-              <a:spcBef>
-                <a:spcPts val="0"/>
-              </a:spcBef>
-              <a:buClr>
-                <a:srgbClr val="1F1F1F"/>
-              </a:buClr>
-              <a:buSzPts val="2000"/>
-              <a:buNone/>
-            </a:pPr>
-            <a:r>
-              <a:rPr lang="en-US" sz="2200" dirty="0" smtClean="0">
-                <a:solidFill>
-                  <a:schemeClr val="tx2"/>
-                </a:solidFill>
-                <a:ea typeface="Arial"/>
-                <a:cs typeface="Arial"/>
-                <a:sym typeface="Arial"/>
-              </a:rPr>
-              <a:t>Citizen </a:t>
-            </a:r>
-            <a:r>
-              <a:rPr lang="en-US" sz="2200" dirty="0">
-                <a:solidFill>
-                  <a:schemeClr val="tx2"/>
-                </a:solidFill>
-                <a:ea typeface="Arial"/>
-                <a:cs typeface="Arial"/>
-                <a:sym typeface="Arial"/>
-              </a:rPr>
-              <a:t>interviews go beyond the numbers. They unlock </a:t>
-            </a:r>
-            <a:r>
-              <a:rPr lang="en-US" sz="2200" b="1" dirty="0">
-                <a:solidFill>
-                  <a:schemeClr val="tx2"/>
-                </a:solidFill>
-                <a:ea typeface="Arial"/>
-                <a:cs typeface="Arial"/>
-                <a:sym typeface="Arial"/>
-              </a:rPr>
-              <a:t>personal stories</a:t>
-            </a:r>
-            <a:r>
-              <a:rPr lang="en-US" sz="2200" dirty="0">
-                <a:solidFill>
-                  <a:schemeClr val="tx2"/>
-                </a:solidFill>
-                <a:ea typeface="Arial"/>
-                <a:cs typeface="Arial"/>
-                <a:sym typeface="Arial"/>
-              </a:rPr>
-              <a:t> and </a:t>
-            </a:r>
-            <a:r>
-              <a:rPr lang="en-US" sz="2200" b="1" dirty="0">
-                <a:solidFill>
-                  <a:schemeClr val="tx2"/>
-                </a:solidFill>
-                <a:ea typeface="Arial"/>
-                <a:cs typeface="Arial"/>
-                <a:sym typeface="Arial"/>
-              </a:rPr>
-              <a:t>deeper concerns</a:t>
-            </a:r>
-            <a:r>
-              <a:rPr lang="en-US" sz="2200" dirty="0">
-                <a:solidFill>
-                  <a:schemeClr val="tx2"/>
-                </a:solidFill>
-                <a:ea typeface="Arial"/>
-                <a:cs typeface="Arial"/>
-                <a:sym typeface="Arial"/>
-              </a:rPr>
-              <a:t> about disaster preparedness. This allows us to tailor our approach, </a:t>
-            </a:r>
-            <a:r>
-              <a:rPr lang="en-US" sz="2200" b="1" dirty="0">
-                <a:solidFill>
-                  <a:schemeClr val="tx2"/>
-                </a:solidFill>
-                <a:ea typeface="Arial"/>
-                <a:cs typeface="Arial"/>
-                <a:sym typeface="Arial"/>
-              </a:rPr>
-              <a:t>uncover hidden anxieties</a:t>
-            </a:r>
-            <a:r>
-              <a:rPr lang="en-US" sz="2200" dirty="0">
-                <a:solidFill>
-                  <a:schemeClr val="tx2"/>
-                </a:solidFill>
-                <a:ea typeface="Arial"/>
-                <a:cs typeface="Arial"/>
-                <a:sym typeface="Arial"/>
-              </a:rPr>
-              <a:t>, and build trust with the community. By listening to their </a:t>
-            </a:r>
-            <a:r>
-              <a:rPr lang="en-US" sz="2200" b="1" dirty="0">
-                <a:solidFill>
-                  <a:schemeClr val="tx2"/>
-                </a:solidFill>
-                <a:ea typeface="Arial"/>
-                <a:cs typeface="Arial"/>
-                <a:sym typeface="Arial"/>
-              </a:rPr>
-              <a:t>experiences and suggestions</a:t>
-            </a:r>
-            <a:r>
-              <a:rPr lang="en-US" sz="2200" dirty="0">
-                <a:solidFill>
-                  <a:schemeClr val="tx2"/>
-                </a:solidFill>
-                <a:ea typeface="Arial"/>
-                <a:cs typeface="Arial"/>
-                <a:sym typeface="Arial"/>
-              </a:rPr>
-              <a:t>, we can work together for a more prepared future.</a:t>
+              <a:rPr lang="en-US" dirty="0"/>
+              <a:t>Data from the survey</a:t>
+            </a:r>
+          </a:p>
+        </p:txBody>
+      </p:sp>
+      <p:sp>
+        <p:nvSpPr>
+          <p:cNvPr id="3" name="Content Placeholder 2">
+            <a:extLst>
+              <a:ext uri="{FF2B5EF4-FFF2-40B4-BE49-F238E27FC236}">
+                <a16:creationId xmlns:a16="http://schemas.microsoft.com/office/drawing/2014/main" xmlns="" id="{BB8EA52E-E907-D638-2327-B25E66AEB63A}"/>
+              </a:ext>
+            </a:extLst>
+          </p:cNvPr>
+          <p:cNvSpPr>
+            <a:spLocks noGrp="1"/>
+          </p:cNvSpPr>
+          <p:nvPr>
+            <p:ph sz="quarter" idx="1"/>
+          </p:nvPr>
+        </p:nvSpPr>
+        <p:spPr/>
+        <p:txBody>
+          <a:bodyPr/>
+          <a:lstStyle/>
+          <a:p>
+            <a:r>
+              <a:rPr lang="en-US" dirty="0"/>
+              <a:t> </a:t>
             </a:r>
           </a:p>
         </p:txBody>
       </p:sp>
       <p:pic>
         <p:nvPicPr>
-          <p:cNvPr id="7" name="Google Shape;194;p19"/>
-          <p:cNvPicPr preferRelativeResize="0">
-            <a:picLocks/>
+          <p:cNvPr id="6" name="Picture 5">
+            <a:extLst>
+              <a:ext uri="{FF2B5EF4-FFF2-40B4-BE49-F238E27FC236}">
+                <a16:creationId xmlns:a16="http://schemas.microsoft.com/office/drawing/2014/main" xmlns="" id="{71E9EEC2-EB0B-983C-F4FA-FD6B1F2F597C}"/>
+              </a:ext>
+            </a:extLst>
+          </p:cNvPr>
+          <p:cNvPicPr>
+            <a:picLocks noChangeAspect="1"/>
           </p:cNvPicPr>
           <p:nvPr/>
         </p:nvPicPr>
         <p:blipFill rotWithShape="1">
           <a:blip r:embed="rId2">
-            <a:alphaModFix/>
+            <a:extLst>
+              <a:ext uri="{28A0092B-C50C-407E-A947-70E740481C1C}">
+                <a14:useLocalDpi xmlns:a14="http://schemas.microsoft.com/office/drawing/2010/main" val="0"/>
+              </a:ext>
+            </a:extLst>
           </a:blip>
-          <a:srcRect/>
+          <a:srcRect r="25846"/>
           <a:stretch/>
         </p:blipFill>
         <p:spPr>
           <a:xfrm>
-            <a:off x="685800" y="2521507"/>
-            <a:ext cx="2465400" cy="2405594"/>
+            <a:off x="762000" y="1801906"/>
+            <a:ext cx="6658708" cy="3254188"/>
           </a:xfrm>
           <a:prstGeom prst="rect">
             <a:avLst/>
           </a:prstGeom>
-          <a:noFill/>
-          <a:ln>
-            <a:noFill/>
-          </a:ln>
         </p:spPr>
       </p:pic>
     </p:spTree>
     <p:extLst>
       <p:ext uri="{BB962C8B-B14F-4D97-AF65-F5344CB8AC3E}">
-        <p14:creationId xmlns:p14="http://schemas.microsoft.com/office/powerpoint/2010/main" val="489537042"/>
+        <p14:creationId xmlns:p14="http://schemas.microsoft.com/office/powerpoint/2010/main" val="492837110"/>
       </p:ext>
     </p:extLst>
   </p:cSld>
@@ -4489,7 +4447,13 @@
       </p:grpSpPr>
       <p:sp>
         <p:nvSpPr>
-          <p:cNvPr id="2" name="Title 1"/>
+          <p:cNvPr id="2" name="Title 1">
+            <a:extLst>
+              <a:ext uri="{FF2B5EF4-FFF2-40B4-BE49-F238E27FC236}">
+                <a16:creationId xmlns:a16="http://schemas.microsoft.com/office/drawing/2014/main" xmlns="" id="{326FFB00-565B-6139-DF83-A74EBA9BA74E}"/>
+              </a:ext>
+            </a:extLst>
+          </p:cNvPr>
           <p:cNvSpPr>
             <a:spLocks noGrp="1"/>
           </p:cNvSpPr>
@@ -4503,330 +4467,128 @@
           <a:lstStyle/>
           <a:p>
             <a:r>
-              <a:rPr lang="en-US" dirty="0" smtClean="0"/>
-              <a:t>Document Reviews</a:t>
-            </a:r>
-            <a:endParaRPr lang="en-US" dirty="0"/>
+              <a:rPr lang="en-US" dirty="0"/>
+              <a:t> </a:t>
+            </a:r>
           </a:p>
         </p:txBody>
       </p:sp>
       <p:pic>
         <p:nvPicPr>
-          <p:cNvPr id="4" name="Google Shape;201;p20"/>
-          <p:cNvPicPr preferRelativeResize="0">
-            <a:picLocks noGrp="1"/>
+          <p:cNvPr id="6" name="Content Placeholder 5">
+            <a:extLst>
+              <a:ext uri="{FF2B5EF4-FFF2-40B4-BE49-F238E27FC236}">
+                <a16:creationId xmlns:a16="http://schemas.microsoft.com/office/drawing/2014/main" xmlns="" id="{0ECDF182-1711-CC50-8B72-B922D0043CCB}"/>
+              </a:ext>
+            </a:extLst>
+          </p:cNvPr>
+          <p:cNvPicPr>
+            <a:picLocks noGrp="1" noChangeAspect="1"/>
           </p:cNvPicPr>
           <p:nvPr>
             <p:ph sz="quarter" idx="1"/>
           </p:nvPr>
         </p:nvPicPr>
-        <p:blipFill rotWithShape="1">
-          <a:blip r:embed="rId2">
-            <a:alphaModFix/>
+        <p:blipFill>
+          <a:blip r:embed="rId3">
+            <a:extLst>
+              <a:ext uri="{28A0092B-C50C-407E-A947-70E740481C1C}">
+                <a14:useLocalDpi xmlns:a14="http://schemas.microsoft.com/office/drawing/2010/main" val="0"/>
+              </a:ext>
+            </a:extLst>
           </a:blip>
-          <a:stretch/>
+          <a:stretch>
+            <a:fillRect/>
+          </a:stretch>
         </p:blipFill>
         <p:spPr>
           <a:xfrm>
-            <a:off x="533400" y="2362200"/>
-            <a:ext cx="2438401" cy="2508250"/>
+            <a:off x="457199" y="299264"/>
+            <a:ext cx="7913077" cy="2237174"/>
+          </a:xfrm>
+        </p:spPr>
+      </p:pic>
+      <p:pic>
+        <p:nvPicPr>
+          <p:cNvPr id="8" name="Content Placeholder 7">
+            <a:extLst>
+              <a:ext uri="{FF2B5EF4-FFF2-40B4-BE49-F238E27FC236}">
+                <a16:creationId xmlns:a16="http://schemas.microsoft.com/office/drawing/2014/main" xmlns="" id="{0C7285D4-5AD2-67A1-E20D-3C05DB55DEAB}"/>
+              </a:ext>
+            </a:extLst>
+          </p:cNvPr>
+          <p:cNvPicPr>
+            <a:picLocks noGrp="1" noChangeAspect="1"/>
+          </p:cNvPicPr>
+          <p:nvPr>
+            <p:ph sz="quarter" idx="2"/>
+          </p:nvPr>
+        </p:nvPicPr>
+        <p:blipFill>
+          <a:blip r:embed="rId4">
+            <a:extLst>
+              <a:ext uri="{28A0092B-C50C-407E-A947-70E740481C1C}">
+                <a14:useLocalDpi xmlns:a14="http://schemas.microsoft.com/office/drawing/2010/main" val="0"/>
+              </a:ext>
+            </a:extLst>
+          </a:blip>
+          <a:stretch>
+            <a:fillRect/>
+          </a:stretch>
+        </p:blipFill>
+        <p:spPr>
+          <a:xfrm>
+            <a:off x="457199" y="3124199"/>
+            <a:ext cx="4185139" cy="3030415"/>
+          </a:xfrm>
+        </p:spPr>
+      </p:pic>
+      <p:pic>
+        <p:nvPicPr>
+          <p:cNvPr id="14" name="Picture 13">
+            <a:extLst>
+              <a:ext uri="{FF2B5EF4-FFF2-40B4-BE49-F238E27FC236}">
+                <a16:creationId xmlns:a16="http://schemas.microsoft.com/office/drawing/2014/main" xmlns="" id="{597E407D-3A4B-6B60-7698-A824818DAA99}"/>
+              </a:ext>
+            </a:extLst>
+          </p:cNvPr>
+          <p:cNvPicPr>
+            <a:picLocks noChangeAspect="1"/>
+          </p:cNvPicPr>
+          <p:nvPr/>
+        </p:nvPicPr>
+        <p:blipFill>
+          <a:blip r:embed="rId5">
+            <a:extLst>
+              <a:ext uri="{28A0092B-C50C-407E-A947-70E740481C1C}">
+                <a14:useLocalDpi xmlns:a14="http://schemas.microsoft.com/office/drawing/2010/main" val="0"/>
+              </a:ext>
+            </a:extLst>
+          </a:blip>
+          <a:stretch>
+            <a:fillRect/>
+          </a:stretch>
+        </p:blipFill>
+        <p:spPr>
+          <a:xfrm>
+            <a:off x="4443046" y="3124200"/>
+            <a:ext cx="4396154" cy="2790824"/>
           </a:xfrm>
           <a:prstGeom prst="rect">
             <a:avLst/>
           </a:prstGeom>
-          <a:noFill/>
-          <a:ln>
-            <a:noFill/>
-          </a:ln>
         </p:spPr>
       </p:pic>
-      <p:sp>
-        <p:nvSpPr>
-          <p:cNvPr id="5" name="Content Placeholder 4"/>
-          <p:cNvSpPr>
-            <a:spLocks noGrp="1"/>
-          </p:cNvSpPr>
-          <p:nvPr>
-            <p:ph sz="quarter" idx="2"/>
-          </p:nvPr>
-        </p:nvSpPr>
-        <p:spPr>
-          <a:xfrm>
-            <a:off x="3276600" y="1216152"/>
-            <a:ext cx="5397246" cy="4937760"/>
-          </a:xfrm>
-        </p:spPr>
-        <p:txBody>
-          <a:bodyPr>
-            <a:normAutofit/>
-          </a:bodyPr>
-          <a:lstStyle/>
-          <a:p>
-            <a:pPr marL="0" lvl="0" indent="0">
-              <a:spcBef>
-                <a:spcPts val="0"/>
-              </a:spcBef>
-              <a:buClr>
-                <a:srgbClr val="1F1F1F"/>
-              </a:buClr>
-              <a:buSzPts val="1800"/>
-              <a:buNone/>
-            </a:pPr>
-            <a:endParaRPr lang="en-US" sz="2000" b="1" dirty="0" smtClean="0">
-              <a:solidFill>
-                <a:schemeClr val="tx2"/>
-              </a:solidFill>
-              <a:latin typeface="Gill Sans MT" panose="020B0502020104020203" pitchFamily="34" charset="0"/>
-              <a:ea typeface="Libre Franklin"/>
-              <a:cs typeface="Libre Franklin"/>
-              <a:sym typeface="Libre Franklin"/>
-            </a:endParaRPr>
-          </a:p>
-          <a:p>
-            <a:pPr marL="0" lvl="0" indent="0">
-              <a:spcBef>
-                <a:spcPts val="0"/>
-              </a:spcBef>
-              <a:buClr>
-                <a:srgbClr val="1F1F1F"/>
-              </a:buClr>
-              <a:buSzPts val="1800"/>
-              <a:buNone/>
-            </a:pPr>
-            <a:endParaRPr lang="en-US" sz="2000" b="1" dirty="0" smtClean="0">
-              <a:solidFill>
-                <a:schemeClr val="tx2"/>
-              </a:solidFill>
-              <a:latin typeface="Gill Sans MT" panose="020B0502020104020203" pitchFamily="34" charset="0"/>
-              <a:ea typeface="Libre Franklin"/>
-              <a:cs typeface="Libre Franklin"/>
-              <a:sym typeface="Libre Franklin"/>
-            </a:endParaRPr>
-          </a:p>
-          <a:p>
-            <a:pPr marL="0" lvl="0" indent="0">
-              <a:spcBef>
-                <a:spcPts val="0"/>
-              </a:spcBef>
-              <a:buClr>
-                <a:srgbClr val="1F1F1F"/>
-              </a:buClr>
-              <a:buSzPts val="1800"/>
-              <a:buNone/>
-            </a:pPr>
-            <a:r>
-              <a:rPr lang="en-US" sz="2000" b="1" dirty="0" smtClean="0">
-                <a:solidFill>
-                  <a:schemeClr val="tx2"/>
-                </a:solidFill>
-                <a:latin typeface="Gill Sans MT" panose="020B0502020104020203" pitchFamily="34" charset="0"/>
-                <a:ea typeface="Libre Franklin"/>
-                <a:cs typeface="Libre Franklin"/>
-                <a:sym typeface="Libre Franklin"/>
-              </a:rPr>
-              <a:t>Sources </a:t>
-            </a:r>
-          </a:p>
-          <a:p>
-            <a:pPr marL="274320" lvl="1" indent="-114300">
-              <a:spcBef>
-                <a:spcPts val="0"/>
-              </a:spcBef>
-              <a:buClr>
-                <a:srgbClr val="1F1F1F"/>
-              </a:buClr>
-              <a:buSzPts val="1800"/>
-              <a:buFont typeface="Arial"/>
-              <a:buChar char="•"/>
-            </a:pPr>
-            <a:r>
-              <a:rPr lang="en-US" sz="1700" b="1" dirty="0" smtClean="0">
-                <a:latin typeface="Gill Sans MT" panose="020B0502020104020203" pitchFamily="34" charset="0"/>
-                <a:ea typeface="Arial"/>
-                <a:cs typeface="Arial"/>
-                <a:sym typeface="Arial"/>
-              </a:rPr>
-              <a:t>Local </a:t>
-            </a:r>
-            <a:r>
-              <a:rPr lang="en-US" sz="1700" b="1" dirty="0">
-                <a:latin typeface="Gill Sans MT" panose="020B0502020104020203" pitchFamily="34" charset="0"/>
-                <a:ea typeface="Arial"/>
-                <a:cs typeface="Arial"/>
-                <a:sym typeface="Arial"/>
-              </a:rPr>
-              <a:t>Emergency Response Plans:</a:t>
-            </a:r>
-            <a:r>
-              <a:rPr lang="en-US" sz="1700" dirty="0">
-                <a:latin typeface="Gill Sans MT" panose="020B0502020104020203" pitchFamily="34" charset="0"/>
-                <a:ea typeface="Arial"/>
-                <a:cs typeface="Arial"/>
-                <a:sym typeface="Arial"/>
-              </a:rPr>
-              <a:t> </a:t>
-            </a:r>
-            <a:endParaRPr lang="en-US" sz="1700" dirty="0">
-              <a:latin typeface="Gill Sans MT" panose="020B0502020104020203" pitchFamily="34" charset="0"/>
-            </a:endParaRPr>
-          </a:p>
-          <a:p>
-            <a:pPr marL="457200" lvl="1" indent="-114300">
-              <a:spcBef>
-                <a:spcPts val="0"/>
-              </a:spcBef>
-              <a:buClr>
-                <a:srgbClr val="0B57D0"/>
-              </a:buClr>
-              <a:buSzPts val="1800"/>
-              <a:buFont typeface="Arial"/>
-              <a:buChar char="•"/>
-            </a:pPr>
-            <a:r>
-              <a:rPr lang="en-US" sz="1800" u="sng" dirty="0">
-                <a:latin typeface="Gill Sans MT" panose="020B0502020104020203" pitchFamily="34" charset="0"/>
-                <a:ea typeface="Arial"/>
-                <a:cs typeface="Arial"/>
-                <a:sym typeface="Arial"/>
-                <a:hlinkClick r:id="rId3"/>
-              </a:rPr>
-              <a:t>https://floodready.vermont.gov/update_plans/local_emergency_operations</a:t>
-            </a:r>
-            <a:r>
-              <a:rPr lang="en-US" sz="1800" dirty="0">
-                <a:latin typeface="Gill Sans MT" panose="020B0502020104020203" pitchFamily="34" charset="0"/>
-                <a:ea typeface="Arial"/>
-                <a:cs typeface="Arial"/>
-                <a:sym typeface="Arial"/>
-              </a:rPr>
-              <a:t> </a:t>
-            </a:r>
-            <a:endParaRPr lang="en-US" sz="1800" dirty="0">
-              <a:latin typeface="Gill Sans MT" panose="020B0502020104020203" pitchFamily="34" charset="0"/>
-            </a:endParaRPr>
-          </a:p>
-          <a:p>
-            <a:pPr marL="457200" lvl="1" indent="-114300">
-              <a:spcBef>
-                <a:spcPts val="0"/>
-              </a:spcBef>
-              <a:buClr>
-                <a:srgbClr val="0B57D0"/>
-              </a:buClr>
-              <a:buSzPts val="1800"/>
-              <a:buFont typeface="Arial"/>
-              <a:buChar char="•"/>
-            </a:pPr>
-            <a:r>
-              <a:rPr lang="en-US" sz="1800" u="sng" dirty="0">
-                <a:latin typeface="Gill Sans MT" panose="020B0502020104020203" pitchFamily="34" charset="0"/>
-                <a:ea typeface="Arial"/>
-                <a:cs typeface="Arial"/>
-                <a:sym typeface="Arial"/>
-                <a:hlinkClick r:id="rId4"/>
-              </a:rPr>
-              <a:t>https://www2.gov.bc.ca/assets/gov/public-safety-and-emergency-services/emergency-preparedness-response-recovery/local-government/em_planning_guide_for_la_fn.pdf</a:t>
-            </a:r>
-            <a:r>
-              <a:rPr lang="en-US" sz="1800" dirty="0">
-                <a:latin typeface="Gill Sans MT" panose="020B0502020104020203" pitchFamily="34" charset="0"/>
-                <a:ea typeface="Arial"/>
-                <a:cs typeface="Arial"/>
-                <a:sym typeface="Arial"/>
-              </a:rPr>
-              <a:t>  </a:t>
-            </a:r>
-            <a:endParaRPr lang="en-US" sz="1800" dirty="0">
-              <a:latin typeface="Gill Sans MT" panose="020B0502020104020203" pitchFamily="34" charset="0"/>
-            </a:endParaRPr>
-          </a:p>
-          <a:p>
-            <a:pPr marL="274320" lvl="1" indent="-114300">
-              <a:spcBef>
-                <a:spcPts val="0"/>
-              </a:spcBef>
-              <a:buClr>
-                <a:srgbClr val="1F1F1F"/>
-              </a:buClr>
-              <a:buSzPts val="1800"/>
-              <a:buFont typeface="Arial"/>
-              <a:buChar char="•"/>
-            </a:pPr>
-            <a:r>
-              <a:rPr lang="en-US" sz="1700" b="1" dirty="0">
-                <a:latin typeface="Gill Sans MT" panose="020B0502020104020203" pitchFamily="34" charset="0"/>
-                <a:ea typeface="Arial"/>
-                <a:cs typeface="Arial"/>
-                <a:sym typeface="Arial"/>
-              </a:rPr>
-              <a:t>Community Risk Assessments:</a:t>
-            </a:r>
-            <a:r>
-              <a:rPr lang="en-US" sz="1700" dirty="0">
-                <a:latin typeface="Gill Sans MT" panose="020B0502020104020203" pitchFamily="34" charset="0"/>
-                <a:ea typeface="Arial"/>
-                <a:cs typeface="Arial"/>
-                <a:sym typeface="Arial"/>
-              </a:rPr>
-              <a:t> </a:t>
-            </a:r>
-            <a:endParaRPr lang="en-US" sz="1700" dirty="0">
-              <a:latin typeface="Gill Sans MT" panose="020B0502020104020203" pitchFamily="34" charset="0"/>
-            </a:endParaRPr>
-          </a:p>
-          <a:p>
-            <a:pPr marL="342900" lvl="1" indent="0">
-              <a:spcBef>
-                <a:spcPts val="0"/>
-              </a:spcBef>
-              <a:buClr>
-                <a:srgbClr val="0B57D0"/>
-              </a:buClr>
-              <a:buSzPts val="1800"/>
-              <a:buNone/>
-            </a:pPr>
-            <a:r>
-              <a:rPr lang="en-US" sz="1800" u="sng" dirty="0">
-                <a:latin typeface="Gill Sans MT" panose="020B0502020104020203" pitchFamily="34" charset="0"/>
-                <a:ea typeface="Arial"/>
-                <a:cs typeface="Arial"/>
-                <a:sym typeface="Arial"/>
-                <a:hlinkClick r:id="rId5"/>
-              </a:rPr>
-              <a:t>https://riskassessment.strategicfire.org/wp-content/uploads/2016/03/Community-Risk-Assessment-Guide-v1.5.pdf</a:t>
-            </a:r>
-            <a:r>
-              <a:rPr lang="en-US" sz="1800" dirty="0">
-                <a:latin typeface="Gill Sans MT" panose="020B0502020104020203" pitchFamily="34" charset="0"/>
-                <a:ea typeface="Arial"/>
-                <a:cs typeface="Arial"/>
-                <a:sym typeface="Arial"/>
-              </a:rPr>
-              <a:t> </a:t>
-            </a:r>
-            <a:endParaRPr lang="en-US" sz="1800" dirty="0">
-              <a:latin typeface="Gill Sans MT" panose="020B0502020104020203" pitchFamily="34" charset="0"/>
-            </a:endParaRPr>
-          </a:p>
-        </p:txBody>
-      </p:sp>
     </p:spTree>
     <p:extLst>
       <p:ext uri="{BB962C8B-B14F-4D97-AF65-F5344CB8AC3E}">
-        <p14:creationId xmlns:p14="http://schemas.microsoft.com/office/powerpoint/2010/main" val="2898126909"/>
+        <p14:creationId xmlns:p14="http://schemas.microsoft.com/office/powerpoint/2010/main" val="1727635529"/>
       </p:ext>
     </p:extLst>
   </p:cSld>
   <p:clrMapOvr>
     <a:masterClrMapping/>
   </p:clrMapOvr>
-  <p:timing>
-    <p:tnLst>
-      <p:par>
-        <p:cTn id="1" dur="indefinite" restart="never" nodeType="tmRoot"/>
-      </p:par>
-    </p:tnLst>
-  </p:timing>
 </p:sld>
 </file>
 
@@ -4849,7 +4611,13 @@
       </p:grpSpPr>
       <p:sp>
         <p:nvSpPr>
-          <p:cNvPr id="2" name="Title 1"/>
+          <p:cNvPr id="2" name="Title 1">
+            <a:extLst>
+              <a:ext uri="{FF2B5EF4-FFF2-40B4-BE49-F238E27FC236}">
+                <a16:creationId xmlns:a16="http://schemas.microsoft.com/office/drawing/2014/main" xmlns="" id="{9CFDE34D-D246-B667-84A9-225D1C31F058}"/>
+              </a:ext>
+            </a:extLst>
+          </p:cNvPr>
           <p:cNvSpPr>
             <a:spLocks noGrp="1"/>
           </p:cNvSpPr>
@@ -4859,253 +4627,61 @@
         </p:nvSpPr>
         <p:spPr/>
         <p:txBody>
-          <a:bodyPr>
-            <a:normAutofit/>
-          </a:bodyPr>
-          <a:lstStyle/>
-          <a:p>
-            <a:pPr lvl="0"/>
+          <a:bodyPr/>
+          <a:lstStyle/>
+          <a:p>
             <a:r>
               <a:rPr lang="en-US" dirty="0"/>
-              <a:t>5</a:t>
-            </a:r>
-            <a:r>
-              <a:rPr lang="en-US" dirty="0" smtClean="0"/>
-              <a:t>. Business Requirements</a:t>
-            </a:r>
-            <a:endParaRPr lang="en-US" dirty="0"/>
-          </a:p>
-        </p:txBody>
-      </p:sp>
-      <p:sp>
-        <p:nvSpPr>
-          <p:cNvPr id="3" name="Content Placeholder 2"/>
-          <p:cNvSpPr>
-            <a:spLocks noGrp="1"/>
-          </p:cNvSpPr>
+              <a:t>100% Acceptance of the Application</a:t>
+            </a:r>
+          </a:p>
+        </p:txBody>
+      </p:sp>
+      <p:pic>
+        <p:nvPicPr>
+          <p:cNvPr id="5" name="Content Placeholder 4">
+            <a:extLst>
+              <a:ext uri="{FF2B5EF4-FFF2-40B4-BE49-F238E27FC236}">
+                <a16:creationId xmlns:a16="http://schemas.microsoft.com/office/drawing/2014/main" xmlns="" id="{03B1AE69-9EBC-9EA2-CB4A-79F2DF8866FB}"/>
+              </a:ext>
+            </a:extLst>
+          </p:cNvPr>
+          <p:cNvPicPr>
+            <a:picLocks noGrp="1" noChangeAspect="1"/>
+          </p:cNvPicPr>
           <p:nvPr>
             <p:ph sz="quarter" idx="1"/>
           </p:nvPr>
-        </p:nvSpPr>
-        <p:spPr/>
-        <p:txBody>
-          <a:bodyPr>
-            <a:normAutofit/>
-          </a:bodyPr>
-          <a:lstStyle/>
-          <a:p>
-            <a:pPr marL="0" indent="0">
-              <a:buNone/>
-            </a:pPr>
-            <a:r>
-              <a:rPr lang="en-US" sz="2400" dirty="0">
-                <a:solidFill>
-                  <a:schemeClr val="tx2"/>
-                </a:solidFill>
-              </a:rPr>
-              <a:t>The business requirements define the high-level goals, objectives, and needs that the system is intended to fulfill. </a:t>
-            </a:r>
-            <a:r>
-              <a:rPr lang="en-US" sz="2400" dirty="0" smtClean="0">
-                <a:solidFill>
-                  <a:schemeClr val="tx2"/>
-                </a:solidFill>
-              </a:rPr>
-              <a:t> The </a:t>
-            </a:r>
-            <a:r>
-              <a:rPr lang="en-US" sz="2400" dirty="0">
-                <a:solidFill>
-                  <a:schemeClr val="tx2"/>
-                </a:solidFill>
-              </a:rPr>
-              <a:t>business requirements for this project include</a:t>
-            </a:r>
-            <a:r>
-              <a:rPr lang="en-US" sz="2400" dirty="0" smtClean="0">
-                <a:solidFill>
-                  <a:schemeClr val="tx2"/>
-                </a:solidFill>
-              </a:rPr>
-              <a:t>:</a:t>
-            </a:r>
-          </a:p>
-          <a:p>
-            <a:pPr marL="0" indent="0">
-              <a:buNone/>
-            </a:pPr>
-            <a:endParaRPr lang="en-US" sz="2400" dirty="0">
-              <a:solidFill>
-                <a:schemeClr val="tx2"/>
-              </a:solidFill>
-            </a:endParaRPr>
-          </a:p>
-          <a:p>
-            <a:pPr marL="514350" indent="-514350">
-              <a:buFont typeface="+mj-lt"/>
-              <a:buAutoNum type="arabicPeriod"/>
-            </a:pPr>
-            <a:r>
-              <a:rPr lang="en-US" dirty="0" smtClean="0">
-                <a:solidFill>
-                  <a:schemeClr val="tx2"/>
-                </a:solidFill>
-              </a:rPr>
-              <a:t>Comprehensive </a:t>
-            </a:r>
-            <a:r>
-              <a:rPr lang="en-US" dirty="0">
-                <a:solidFill>
-                  <a:schemeClr val="tx2"/>
-                </a:solidFill>
-              </a:rPr>
-              <a:t>Disaster Management Lifecycle </a:t>
-            </a:r>
-            <a:r>
-              <a:rPr lang="en-US" dirty="0" smtClean="0">
-                <a:solidFill>
-                  <a:schemeClr val="tx2"/>
-                </a:solidFill>
-              </a:rPr>
-              <a:t>Support</a:t>
-            </a:r>
-            <a:endParaRPr lang="en-US" dirty="0">
-              <a:solidFill>
-                <a:schemeClr val="tx2"/>
-              </a:solidFill>
-            </a:endParaRPr>
-          </a:p>
-          <a:p>
-            <a:pPr marL="514350" indent="-514350">
-              <a:buFont typeface="+mj-lt"/>
-              <a:buAutoNum type="arabicPeriod"/>
-            </a:pPr>
-            <a:r>
-              <a:rPr lang="en-US" dirty="0" smtClean="0">
-                <a:solidFill>
-                  <a:schemeClr val="tx2"/>
-                </a:solidFill>
-              </a:rPr>
-              <a:t>Real-Time </a:t>
-            </a:r>
-            <a:r>
-              <a:rPr lang="en-US" dirty="0">
-                <a:solidFill>
-                  <a:schemeClr val="tx2"/>
-                </a:solidFill>
-              </a:rPr>
-              <a:t>Alerting and Notification </a:t>
-            </a:r>
-          </a:p>
-          <a:p>
-            <a:pPr marL="514350" indent="-514350">
-              <a:buFont typeface="+mj-lt"/>
-              <a:buAutoNum type="arabicPeriod"/>
-            </a:pPr>
-            <a:r>
-              <a:rPr lang="en-US" dirty="0" smtClean="0">
-                <a:solidFill>
-                  <a:schemeClr val="tx2"/>
-                </a:solidFill>
-              </a:rPr>
-              <a:t>Incident </a:t>
-            </a:r>
-            <a:r>
-              <a:rPr lang="en-US" dirty="0">
-                <a:solidFill>
-                  <a:schemeClr val="tx2"/>
-                </a:solidFill>
-              </a:rPr>
-              <a:t>Reporting and Coordinated Response </a:t>
-            </a:r>
-            <a:endParaRPr lang="en-US" dirty="0" smtClean="0">
-              <a:solidFill>
-                <a:schemeClr val="tx2"/>
-              </a:solidFill>
-            </a:endParaRPr>
-          </a:p>
-          <a:p>
-            <a:pPr marL="514350" indent="-514350">
-              <a:buFont typeface="+mj-lt"/>
-              <a:buAutoNum type="arabicPeriod"/>
-            </a:pPr>
-            <a:r>
-              <a:rPr lang="en-US" dirty="0" smtClean="0">
-                <a:solidFill>
-                  <a:schemeClr val="tx2"/>
-                </a:solidFill>
-              </a:rPr>
-              <a:t>Geospatial </a:t>
-            </a:r>
-            <a:r>
-              <a:rPr lang="en-US" dirty="0">
-                <a:solidFill>
-                  <a:schemeClr val="tx2"/>
-                </a:solidFill>
-              </a:rPr>
-              <a:t>Mapping and Situational Awareness </a:t>
-            </a:r>
-          </a:p>
-          <a:p>
-            <a:pPr marL="514350" indent="-514350">
-              <a:buFont typeface="+mj-lt"/>
-              <a:buAutoNum type="arabicPeriod"/>
-            </a:pPr>
-            <a:r>
-              <a:rPr lang="en-US" dirty="0">
-                <a:solidFill>
-                  <a:schemeClr val="tx2"/>
-                </a:solidFill>
-              </a:rPr>
-              <a:t>Community Engagement and Collaboration </a:t>
-            </a:r>
-          </a:p>
-          <a:p>
-            <a:pPr marL="514350" indent="-514350">
-              <a:buFont typeface="+mj-lt"/>
-              <a:buAutoNum type="arabicPeriod"/>
-            </a:pPr>
-            <a:r>
-              <a:rPr lang="en-US" dirty="0">
-                <a:solidFill>
-                  <a:schemeClr val="tx2"/>
-                </a:solidFill>
-              </a:rPr>
-              <a:t>Compliance and </a:t>
-            </a:r>
-            <a:r>
-              <a:rPr lang="en-US" dirty="0" smtClean="0">
-                <a:solidFill>
-                  <a:schemeClr val="tx2"/>
-                </a:solidFill>
-              </a:rPr>
-              <a:t>Security</a:t>
-            </a:r>
-            <a:endParaRPr lang="en-US" sz="2600" dirty="0" smtClean="0">
-              <a:solidFill>
-                <a:schemeClr val="tx2"/>
-              </a:solidFill>
-            </a:endParaRPr>
-          </a:p>
-        </p:txBody>
-      </p:sp>
+        </p:nvPicPr>
+        <p:blipFill>
+          <a:blip r:embed="rId2">
+            <a:extLst>
+              <a:ext uri="{28A0092B-C50C-407E-A947-70E740481C1C}">
+                <a14:useLocalDpi xmlns:a14="http://schemas.microsoft.com/office/drawing/2010/main" val="0"/>
+              </a:ext>
+            </a:extLst>
+          </a:blip>
+          <a:stretch>
+            <a:fillRect/>
+          </a:stretch>
+        </p:blipFill>
+        <p:spPr>
+          <a:xfrm>
+            <a:off x="995362" y="2020887"/>
+            <a:ext cx="7153275" cy="3333750"/>
+          </a:xfrm>
+        </p:spPr>
+      </p:pic>
     </p:spTree>
     <p:extLst>
       <p:ext uri="{BB962C8B-B14F-4D97-AF65-F5344CB8AC3E}">
-        <p14:creationId xmlns:p14="http://schemas.microsoft.com/office/powerpoint/2010/main" val="226794073"/>
+        <p14:creationId xmlns:p14="http://schemas.microsoft.com/office/powerpoint/2010/main" val="3159317722"/>
       </p:ext>
     </p:extLst>
   </p:cSld>
   <p:clrMapOvr>
     <a:masterClrMapping/>
   </p:clrMapOvr>
-  <p:timing>
-    <p:tnLst>
-      <p:par>
-        <p:cTn id="1" dur="indefinite" restart="never" nodeType="tmRoot"/>
-      </p:par>
-    </p:tnLst>
-  </p:timing>
 </p:sld>
 </file>
 
@@ -5126,250 +4702,52 @@
           <a:chExt cx="0" cy="0"/>
         </a:xfrm>
       </p:grpSpPr>
-      <p:sp>
-        <p:nvSpPr>
-          <p:cNvPr id="2" name="Title 1"/>
-          <p:cNvSpPr>
-            <a:spLocks noGrp="1"/>
-          </p:cNvSpPr>
-          <p:nvPr>
-            <p:ph type="title"/>
-          </p:nvPr>
-        </p:nvSpPr>
-        <p:spPr/>
-        <p:txBody>
-          <a:bodyPr>
-            <a:normAutofit/>
-          </a:bodyPr>
-          <a:lstStyle/>
-          <a:p>
-            <a:pPr marL="514350" lvl="0" indent="-514350"/>
-            <a:r>
-              <a:rPr lang="en-US" dirty="0"/>
-              <a:t>6</a:t>
-            </a:r>
-            <a:r>
-              <a:rPr lang="en-US" dirty="0" smtClean="0"/>
-              <a:t>. Gather </a:t>
-            </a:r>
-            <a:r>
-              <a:rPr lang="en-US" dirty="0"/>
-              <a:t>Functional Requirements </a:t>
-            </a:r>
-          </a:p>
-        </p:txBody>
-      </p:sp>
-      <p:sp>
-        <p:nvSpPr>
-          <p:cNvPr id="3" name="Content Placeholder 2"/>
-          <p:cNvSpPr>
-            <a:spLocks noGrp="1"/>
-          </p:cNvSpPr>
-          <p:nvPr>
-            <p:ph sz="quarter" idx="1"/>
-          </p:nvPr>
-        </p:nvSpPr>
-        <p:spPr/>
-        <p:txBody>
-          <a:bodyPr>
-            <a:normAutofit/>
-          </a:bodyPr>
-          <a:lstStyle/>
-          <a:p>
-            <a:pPr marL="731520" lvl="1" indent="-457200">
-              <a:buFont typeface="+mj-lt"/>
-              <a:buAutoNum type="arabicPeriod"/>
-            </a:pPr>
-            <a:r>
-              <a:rPr lang="en-US" sz="2400" dirty="0"/>
-              <a:t>User Registration and </a:t>
-            </a:r>
-            <a:r>
-              <a:rPr lang="en-US" sz="2400" dirty="0" smtClean="0"/>
-              <a:t>Authentication</a:t>
-            </a:r>
-            <a:endParaRPr lang="en-US" sz="2400" dirty="0"/>
-          </a:p>
-          <a:p>
-            <a:pPr marL="731520" lvl="1" indent="-457200">
-              <a:buFont typeface="+mj-lt"/>
-              <a:buAutoNum type="arabicPeriod"/>
-            </a:pPr>
-            <a:r>
-              <a:rPr lang="en-US" sz="2400" dirty="0" smtClean="0"/>
-              <a:t>Real-Time </a:t>
-            </a:r>
-            <a:r>
-              <a:rPr lang="en-US" sz="2400" dirty="0"/>
-              <a:t>Alerts and </a:t>
-            </a:r>
-            <a:r>
-              <a:rPr lang="en-US" sz="2400" dirty="0" smtClean="0"/>
-              <a:t>Notifications</a:t>
-            </a:r>
-            <a:endParaRPr lang="en-US" sz="2400" dirty="0"/>
-          </a:p>
-          <a:p>
-            <a:pPr marL="731520" lvl="1" indent="-457200">
-              <a:buFont typeface="+mj-lt"/>
-              <a:buAutoNum type="arabicPeriod"/>
-            </a:pPr>
-            <a:r>
-              <a:rPr lang="en-US" sz="2400" dirty="0"/>
-              <a:t>Incident </a:t>
-            </a:r>
-            <a:r>
-              <a:rPr lang="en-US" sz="2400" dirty="0" smtClean="0"/>
-              <a:t>Reporting</a:t>
-            </a:r>
-            <a:endParaRPr lang="en-US" sz="2400" dirty="0"/>
-          </a:p>
-          <a:p>
-            <a:pPr marL="731520" lvl="1" indent="-457200">
-              <a:buFont typeface="+mj-lt"/>
-              <a:buAutoNum type="arabicPeriod"/>
-            </a:pPr>
-            <a:r>
-              <a:rPr lang="en-US" sz="2400" dirty="0" smtClean="0"/>
-              <a:t>Emergency </a:t>
-            </a:r>
-            <a:r>
-              <a:rPr lang="en-US" sz="2400" dirty="0"/>
-              <a:t>Resource </a:t>
-            </a:r>
-            <a:r>
-              <a:rPr lang="en-US" sz="2400" dirty="0" smtClean="0"/>
-              <a:t>Access</a:t>
-            </a:r>
-          </a:p>
-          <a:p>
-            <a:pPr marL="731520" lvl="1" indent="-457200">
-              <a:buFont typeface="+mj-lt"/>
-              <a:buAutoNum type="arabicPeriod"/>
-            </a:pPr>
-            <a:r>
-              <a:rPr lang="en-US" sz="2400" dirty="0" smtClean="0"/>
-              <a:t>Communication </a:t>
-            </a:r>
-            <a:r>
-              <a:rPr lang="en-US" sz="2400" dirty="0"/>
-              <a:t>with </a:t>
-            </a:r>
-            <a:r>
-              <a:rPr lang="en-US" sz="2400" dirty="0" smtClean="0"/>
-              <a:t>Authorities</a:t>
-            </a:r>
-            <a:endParaRPr lang="en-US" sz="2400" dirty="0"/>
-          </a:p>
-          <a:p>
-            <a:pPr marL="731520" lvl="1" indent="-457200">
-              <a:buFont typeface="+mj-lt"/>
-              <a:buAutoNum type="arabicPeriod"/>
-            </a:pPr>
-            <a:r>
-              <a:rPr lang="en-US" sz="2400" dirty="0" smtClean="0"/>
-              <a:t>Geospatial </a:t>
-            </a:r>
-            <a:r>
-              <a:rPr lang="en-US" sz="2400" dirty="0"/>
-              <a:t>Data </a:t>
-            </a:r>
-            <a:r>
-              <a:rPr lang="en-US" sz="2400" dirty="0" smtClean="0"/>
-              <a:t>Integration</a:t>
-            </a:r>
-            <a:endParaRPr lang="en-US" sz="2400" dirty="0"/>
-          </a:p>
-          <a:p>
-            <a:pPr marL="731520" lvl="1" indent="-457200">
-              <a:buFont typeface="+mj-lt"/>
-              <a:buAutoNum type="arabicPeriod"/>
-            </a:pPr>
-            <a:r>
-              <a:rPr lang="en-US" sz="2400" dirty="0" smtClean="0"/>
-              <a:t>Community </a:t>
-            </a:r>
-            <a:r>
-              <a:rPr lang="en-US" sz="2400" dirty="0"/>
-              <a:t>Engagement </a:t>
-            </a:r>
-            <a:r>
-              <a:rPr lang="en-US" sz="2400" dirty="0" smtClean="0"/>
-              <a:t>Features</a:t>
-            </a:r>
-            <a:endParaRPr lang="en-US" sz="2400" dirty="0"/>
-          </a:p>
-          <a:p>
-            <a:pPr marL="731520" lvl="1" indent="-457200">
-              <a:buFont typeface="+mj-lt"/>
-              <a:buAutoNum type="arabicPeriod"/>
-            </a:pPr>
-            <a:r>
-              <a:rPr lang="en-US" sz="2400" dirty="0" smtClean="0"/>
-              <a:t>Data </a:t>
-            </a:r>
-            <a:r>
-              <a:rPr lang="en-US" sz="2400" dirty="0"/>
-              <a:t>Privacy and </a:t>
-            </a:r>
-            <a:r>
-              <a:rPr lang="en-US" sz="2400" dirty="0" smtClean="0"/>
-              <a:t>Security</a:t>
-            </a:r>
-          </a:p>
-          <a:p>
-            <a:pPr marL="731520" lvl="1" indent="-457200">
-              <a:buFont typeface="+mj-lt"/>
-              <a:buAutoNum type="arabicPeriod"/>
-            </a:pPr>
-            <a:r>
-              <a:rPr lang="en-US" sz="2400" dirty="0" smtClean="0"/>
-              <a:t>Offline Functionality</a:t>
-            </a:r>
-          </a:p>
-          <a:p>
-            <a:pPr marL="731520" lvl="1" indent="-457200">
-              <a:buFont typeface="+mj-lt"/>
-              <a:buAutoNum type="arabicPeriod"/>
-            </a:pPr>
-            <a:r>
-              <a:rPr lang="en-US" sz="2400" dirty="0" smtClean="0"/>
-              <a:t>Multilingual Support</a:t>
-            </a:r>
-          </a:p>
-          <a:p>
-            <a:pPr marL="788670" lvl="1" indent="-514350">
-              <a:buFont typeface="+mj-lt"/>
-              <a:buAutoNum type="arabicPeriod"/>
-            </a:pPr>
-            <a:r>
-              <a:rPr lang="en-US" sz="2400" dirty="0" smtClean="0"/>
-              <a:t>User </a:t>
-            </a:r>
-            <a:r>
-              <a:rPr lang="en-US" sz="2400" dirty="0"/>
-              <a:t>Feedback and Support</a:t>
-            </a:r>
-          </a:p>
-        </p:txBody>
-      </p:sp>
+      <p:pic>
+        <p:nvPicPr>
+          <p:cNvPr id="3" name="Picture 2">
+            <a:extLst>
+              <a:ext uri="{FF2B5EF4-FFF2-40B4-BE49-F238E27FC236}">
+                <a16:creationId xmlns:a16="http://schemas.microsoft.com/office/drawing/2014/main" xmlns="" id="{487A754E-8480-D4C2-42B5-8A8F92BD01ED}"/>
+              </a:ext>
+            </a:extLst>
+          </p:cNvPr>
+          <p:cNvPicPr>
+            <a:picLocks noChangeAspect="1"/>
+          </p:cNvPicPr>
+          <p:nvPr/>
+        </p:nvPicPr>
+        <p:blipFill>
+          <a:blip r:embed="rId2">
+            <a:extLst>
+              <a:ext uri="{28A0092B-C50C-407E-A947-70E740481C1C}">
+                <a14:useLocalDpi xmlns:a14="http://schemas.microsoft.com/office/drawing/2010/main" val="0"/>
+              </a:ext>
+            </a:extLst>
+          </a:blip>
+          <a:stretch>
+            <a:fillRect/>
+          </a:stretch>
+        </p:blipFill>
+        <p:spPr>
+          <a:xfrm>
+            <a:off x="685800" y="1295400"/>
+            <a:ext cx="7848600" cy="4191000"/>
+          </a:xfrm>
+          <a:prstGeom prst="rect">
+            <a:avLst/>
+          </a:prstGeom>
+        </p:spPr>
+      </p:pic>
     </p:spTree>
     <p:extLst>
       <p:ext uri="{BB962C8B-B14F-4D97-AF65-F5344CB8AC3E}">
-        <p14:creationId xmlns:p14="http://schemas.microsoft.com/office/powerpoint/2010/main" val="3026397501"/>
+        <p14:creationId xmlns:p14="http://schemas.microsoft.com/office/powerpoint/2010/main" val="2242128325"/>
       </p:ext>
     </p:extLst>
   </p:cSld>
   <p:clrMapOvr>
     <a:masterClrMapping/>
   </p:clrMapOvr>
-  <p:timing>
-    <p:tnLst>
-      <p:par>
-        <p:cTn id="1" dur="indefinite" restart="never" nodeType="tmRoot"/>
-      </p:par>
-    </p:tnLst>
-  </p:timing>
 </p:sld>
 </file>
 
@@ -5402,136 +4780,317 @@
         </p:nvSpPr>
         <p:spPr/>
         <p:txBody>
+          <a:bodyPr/>
+          <a:lstStyle/>
+          <a:p>
+            <a:r>
+              <a:rPr lang="en-US" b="1" dirty="0"/>
+              <a:t>Document Review and Research </a:t>
+            </a:r>
+          </a:p>
+        </p:txBody>
+      </p:sp>
+      <p:pic>
+        <p:nvPicPr>
+          <p:cNvPr id="4" name="Google Shape;201;p20"/>
+          <p:cNvPicPr preferRelativeResize="0">
+            <a:picLocks noGrp="1"/>
+          </p:cNvPicPr>
+          <p:nvPr>
+            <p:ph sz="quarter" idx="1"/>
+          </p:nvPr>
+        </p:nvPicPr>
+        <p:blipFill rotWithShape="1">
+          <a:blip r:embed="rId2">
+            <a:alphaModFix/>
+          </a:blip>
+          <a:stretch/>
+        </p:blipFill>
+        <p:spPr>
+          <a:xfrm>
+            <a:off x="533400" y="2362200"/>
+            <a:ext cx="2438401" cy="2508250"/>
+          </a:xfrm>
+          <a:prstGeom prst="rect">
+            <a:avLst/>
+          </a:prstGeom>
+          <a:noFill/>
+          <a:ln>
+            <a:noFill/>
+          </a:ln>
+        </p:spPr>
+      </p:pic>
+      <p:sp>
+        <p:nvSpPr>
+          <p:cNvPr id="5" name="Content Placeholder 4"/>
+          <p:cNvSpPr>
+            <a:spLocks noGrp="1"/>
+          </p:cNvSpPr>
+          <p:nvPr>
+            <p:ph sz="quarter" idx="2"/>
+          </p:nvPr>
+        </p:nvSpPr>
+        <p:spPr>
+          <a:xfrm>
+            <a:off x="3276600" y="1216152"/>
+            <a:ext cx="5397246" cy="4937760"/>
+          </a:xfrm>
+        </p:spPr>
+        <p:txBody>
           <a:bodyPr>
             <a:normAutofit/>
           </a:bodyPr>
           <a:lstStyle/>
           <a:p>
-            <a:r>
-              <a:rPr lang="en-US" dirty="0"/>
-              <a:t>7</a:t>
-            </a:r>
-            <a:r>
-              <a:rPr lang="en-US" dirty="0" smtClean="0"/>
-              <a:t>. Non-Functional </a:t>
-            </a:r>
-            <a:r>
-              <a:rPr lang="en-US" dirty="0"/>
-              <a:t>Requirements </a:t>
-            </a:r>
-          </a:p>
-        </p:txBody>
-      </p:sp>
-      <p:sp>
-        <p:nvSpPr>
-          <p:cNvPr id="3" name="Content Placeholder 2"/>
-          <p:cNvSpPr>
-            <a:spLocks noGrp="1"/>
-          </p:cNvSpPr>
-          <p:nvPr>
-            <p:ph sz="quarter" idx="1"/>
-          </p:nvPr>
-        </p:nvSpPr>
-        <p:spPr/>
-        <p:txBody>
-          <a:bodyPr>
-            <a:normAutofit/>
-          </a:bodyPr>
-          <a:lstStyle/>
-          <a:p>
-            <a:pPr marL="731520" lvl="1" indent="-457200">
-              <a:buFont typeface="+mj-lt"/>
-              <a:buAutoNum type="arabicPeriod"/>
+            <a:pPr marL="0" lvl="0" indent="0">
+              <a:spcBef>
+                <a:spcPts val="0"/>
+              </a:spcBef>
+              <a:buClr>
+                <a:srgbClr val="1F1F1F"/>
+              </a:buClr>
+              <a:buSzPts val="1800"/>
+              <a:buNone/>
             </a:pPr>
-            <a:r>
-              <a:rPr lang="en-US" sz="2800" dirty="0" smtClean="0"/>
-              <a:t>Usability</a:t>
-            </a:r>
-            <a:endParaRPr lang="en-US" sz="2800" dirty="0"/>
-          </a:p>
-          <a:p>
-            <a:pPr marL="731520" lvl="1" indent="-457200">
-              <a:buFont typeface="+mj-lt"/>
-              <a:buAutoNum type="arabicPeriod"/>
+            <a:endParaRPr lang="en-US" sz="2000" b="1" dirty="0">
+              <a:solidFill>
+                <a:schemeClr val="tx2"/>
+              </a:solidFill>
+              <a:latin typeface="Gill Sans MT" panose="020B0502020104020203" pitchFamily="34" charset="0"/>
+              <a:ea typeface="Libre Franklin"/>
+              <a:cs typeface="Libre Franklin"/>
+              <a:sym typeface="Libre Franklin"/>
+            </a:endParaRPr>
+          </a:p>
+          <a:p>
+            <a:pPr marL="0" lvl="0" indent="0">
+              <a:spcBef>
+                <a:spcPts val="0"/>
+              </a:spcBef>
+              <a:buClr>
+                <a:srgbClr val="1F1F1F"/>
+              </a:buClr>
+              <a:buSzPts val="1800"/>
+              <a:buNone/>
             </a:pPr>
-            <a:r>
-              <a:rPr lang="en-US" sz="2800" dirty="0" smtClean="0"/>
-              <a:t>Performance</a:t>
-            </a:r>
-            <a:endParaRPr lang="en-US" sz="2800" dirty="0"/>
-          </a:p>
-          <a:p>
-            <a:pPr marL="731520" lvl="1" indent="-457200">
-              <a:buFont typeface="+mj-lt"/>
-              <a:buAutoNum type="arabicPeriod"/>
+            <a:endParaRPr lang="en-US" sz="2000" b="1" dirty="0">
+              <a:solidFill>
+                <a:schemeClr val="tx2"/>
+              </a:solidFill>
+              <a:latin typeface="Gill Sans MT" panose="020B0502020104020203" pitchFamily="34" charset="0"/>
+              <a:ea typeface="Libre Franklin"/>
+              <a:cs typeface="Libre Franklin"/>
+              <a:sym typeface="Libre Franklin"/>
+            </a:endParaRPr>
+          </a:p>
+          <a:p>
+            <a:pPr marL="0" lvl="0" indent="0">
+              <a:spcBef>
+                <a:spcPts val="0"/>
+              </a:spcBef>
+              <a:buClr>
+                <a:srgbClr val="1F1F1F"/>
+              </a:buClr>
+              <a:buSzPts val="1800"/>
+              <a:buNone/>
             </a:pPr>
             <a:r>
-              <a:rPr lang="en-US" sz="2800" dirty="0" smtClean="0"/>
-              <a:t>Security</a:t>
-            </a:r>
-            <a:endParaRPr lang="en-US" sz="2800" dirty="0"/>
-          </a:p>
-          <a:p>
-            <a:pPr marL="788670" lvl="1" indent="-514350">
-              <a:buFont typeface="+mj-lt"/>
-              <a:buAutoNum type="arabicPeriod"/>
+              <a:rPr lang="en-US" sz="2000" b="1" dirty="0">
+                <a:solidFill>
+                  <a:schemeClr val="tx2"/>
+                </a:solidFill>
+                <a:latin typeface="Gill Sans MT" panose="020B0502020104020203" pitchFamily="34" charset="0"/>
+                <a:ea typeface="Libre Franklin"/>
+                <a:cs typeface="Libre Franklin"/>
+                <a:sym typeface="Libre Franklin"/>
+              </a:rPr>
+              <a:t>Sources </a:t>
+            </a:r>
+          </a:p>
+          <a:p>
+            <a:pPr marL="274320" lvl="1" indent="-114300">
+              <a:spcBef>
+                <a:spcPts val="0"/>
+              </a:spcBef>
+              <a:buClr>
+                <a:srgbClr val="1F1F1F"/>
+              </a:buClr>
+              <a:buSzPts val="1800"/>
+              <a:buFont typeface="Arial"/>
+              <a:buChar char="•"/>
             </a:pPr>
             <a:r>
-              <a:rPr lang="en-US" sz="2800" dirty="0" smtClean="0"/>
-              <a:t>Reliability</a:t>
-            </a:r>
-          </a:p>
-          <a:p>
-            <a:pPr marL="731520" lvl="1" indent="-457200">
-              <a:buFont typeface="+mj-lt"/>
-              <a:buAutoNum type="arabicPeriod"/>
+              <a:rPr lang="en-US" sz="1700" b="1" dirty="0">
+                <a:latin typeface="Gill Sans MT" panose="020B0502020104020203" pitchFamily="34" charset="0"/>
+                <a:ea typeface="Arial"/>
+                <a:cs typeface="Arial"/>
+                <a:sym typeface="Arial"/>
+              </a:rPr>
+              <a:t>Local Emergency Response Plans:</a:t>
+            </a:r>
+            <a:r>
+              <a:rPr lang="en-US" sz="1700" dirty="0">
+                <a:latin typeface="Gill Sans MT" panose="020B0502020104020203" pitchFamily="34" charset="0"/>
+                <a:ea typeface="Arial"/>
+                <a:cs typeface="Arial"/>
+                <a:sym typeface="Arial"/>
+              </a:rPr>
+              <a:t> </a:t>
+            </a:r>
+            <a:endParaRPr lang="en-US" sz="1700" dirty="0">
+              <a:latin typeface="Gill Sans MT" panose="020B0502020104020203" pitchFamily="34" charset="0"/>
+            </a:endParaRPr>
+          </a:p>
+          <a:p>
+            <a:pPr marL="457200" lvl="1" indent="-114300">
+              <a:spcBef>
+                <a:spcPts val="0"/>
+              </a:spcBef>
+              <a:buClr>
+                <a:srgbClr val="0B57D0"/>
+              </a:buClr>
+              <a:buSzPts val="1800"/>
+              <a:buFont typeface="Arial"/>
+              <a:buChar char="•"/>
             </a:pPr>
             <a:r>
-              <a:rPr lang="en-US" sz="2800" dirty="0" smtClean="0"/>
-              <a:t>Scalability</a:t>
-            </a:r>
-            <a:endParaRPr lang="en-US" sz="2800" dirty="0"/>
-          </a:p>
-          <a:p>
-            <a:pPr marL="731520" lvl="1" indent="-457200">
-              <a:buFont typeface="+mj-lt"/>
-              <a:buAutoNum type="arabicPeriod"/>
+              <a:rPr lang="en-US" sz="1800" u="sng" dirty="0">
+                <a:latin typeface="Gill Sans MT" panose="020B0502020104020203" pitchFamily="34" charset="0"/>
+                <a:ea typeface="Arial"/>
+                <a:cs typeface="Arial"/>
+                <a:sym typeface="Arial"/>
+                <a:hlinkClick r:id="rId3"/>
+              </a:rPr>
+              <a:t>https://floodready.vermont.gov/update_plans/local_emergency_operations</a:t>
+            </a:r>
+            <a:r>
+              <a:rPr lang="en-US" sz="1800" dirty="0">
+                <a:latin typeface="Gill Sans MT" panose="020B0502020104020203" pitchFamily="34" charset="0"/>
+                <a:ea typeface="Arial"/>
+                <a:cs typeface="Arial"/>
+                <a:sym typeface="Arial"/>
+              </a:rPr>
+              <a:t> </a:t>
+            </a:r>
+            <a:endParaRPr lang="en-US" sz="1800" dirty="0">
+              <a:latin typeface="Gill Sans MT" panose="020B0502020104020203" pitchFamily="34" charset="0"/>
+            </a:endParaRPr>
+          </a:p>
+          <a:p>
+            <a:pPr marL="457200" lvl="1" indent="-114300">
+              <a:spcBef>
+                <a:spcPts val="0"/>
+              </a:spcBef>
+              <a:buClr>
+                <a:srgbClr val="0B57D0"/>
+              </a:buClr>
+              <a:buSzPts val="1800"/>
+              <a:buFont typeface="Arial"/>
+              <a:buChar char="•"/>
             </a:pPr>
             <a:r>
-              <a:rPr lang="en-US" sz="2800" dirty="0" smtClean="0"/>
-              <a:t>Maintainability</a:t>
-            </a:r>
-          </a:p>
-          <a:p>
-            <a:pPr marL="788670" lvl="1" indent="-514350">
-              <a:buFont typeface="+mj-lt"/>
-              <a:buAutoNum type="arabicPeriod"/>
+              <a:rPr lang="en-US" sz="1800" u="sng" dirty="0">
+                <a:latin typeface="Gill Sans MT" panose="020B0502020104020203" pitchFamily="34" charset="0"/>
+                <a:ea typeface="Arial"/>
+                <a:cs typeface="Arial"/>
+                <a:sym typeface="Arial"/>
+                <a:hlinkClick r:id="rId4"/>
+              </a:rPr>
+              <a:t>https://www2.gov.bc.ca/assets/gov/public-safety-and-emergency-services/emergency-preparedness-response-recovery/local-government/em_planning_guide_for_la_fn.pdf</a:t>
+            </a:r>
+            <a:r>
+              <a:rPr lang="en-US" sz="1800" dirty="0">
+                <a:latin typeface="Gill Sans MT" panose="020B0502020104020203" pitchFamily="34" charset="0"/>
+                <a:ea typeface="Arial"/>
+                <a:cs typeface="Arial"/>
+                <a:sym typeface="Arial"/>
+              </a:rPr>
+              <a:t>  </a:t>
+            </a:r>
+            <a:endParaRPr lang="en-US" sz="1800" dirty="0">
+              <a:latin typeface="Gill Sans MT" panose="020B0502020104020203" pitchFamily="34" charset="0"/>
+            </a:endParaRPr>
+          </a:p>
+          <a:p>
+            <a:pPr marL="274320" lvl="1" indent="-114300">
+              <a:spcBef>
+                <a:spcPts val="0"/>
+              </a:spcBef>
+              <a:buClr>
+                <a:srgbClr val="1F1F1F"/>
+              </a:buClr>
+              <a:buSzPts val="1800"/>
+              <a:buFont typeface="Arial"/>
+              <a:buChar char="•"/>
             </a:pPr>
             <a:r>
-              <a:rPr lang="en-US" sz="2800" dirty="0" smtClean="0"/>
-              <a:t>Accessibility</a:t>
-            </a:r>
-            <a:endParaRPr lang="en-US" sz="2800" dirty="0"/>
+              <a:rPr lang="en-US" sz="1700" b="1" dirty="0">
+                <a:latin typeface="Gill Sans MT" panose="020B0502020104020203" pitchFamily="34" charset="0"/>
+                <a:ea typeface="Arial"/>
+                <a:cs typeface="Arial"/>
+                <a:sym typeface="Arial"/>
+              </a:rPr>
+              <a:t>Community Risk Assessments:</a:t>
+            </a:r>
+            <a:r>
+              <a:rPr lang="en-US" sz="1700" dirty="0">
+                <a:latin typeface="Gill Sans MT" panose="020B0502020104020203" pitchFamily="34" charset="0"/>
+                <a:ea typeface="Arial"/>
+                <a:cs typeface="Arial"/>
+                <a:sym typeface="Arial"/>
+              </a:rPr>
+              <a:t> </a:t>
+            </a:r>
+            <a:endParaRPr lang="en-US" sz="1700" dirty="0">
+              <a:latin typeface="Gill Sans MT" panose="020B0502020104020203" pitchFamily="34" charset="0"/>
+            </a:endParaRPr>
+          </a:p>
+          <a:p>
+            <a:pPr marL="342900" lvl="1" indent="0">
+              <a:spcBef>
+                <a:spcPts val="0"/>
+              </a:spcBef>
+              <a:buClr>
+                <a:srgbClr val="0B57D0"/>
+              </a:buClr>
+              <a:buSzPts val="1800"/>
+              <a:buNone/>
+            </a:pPr>
+            <a:r>
+              <a:rPr lang="en-US" sz="1800" u="sng" dirty="0">
+                <a:latin typeface="Gill Sans MT" panose="020B0502020104020203" pitchFamily="34" charset="0"/>
+                <a:ea typeface="Arial"/>
+                <a:cs typeface="Arial"/>
+                <a:sym typeface="Arial"/>
+                <a:hlinkClick r:id="rId5"/>
+              </a:rPr>
+              <a:t>https://riskassessment.strategicfire.org/wp-content/uploads/2016/03/Community-Risk-Assessment-Guide-v1.5.pdf</a:t>
+            </a:r>
+            <a:r>
+              <a:rPr lang="en-US" sz="1800" dirty="0">
+                <a:latin typeface="Gill Sans MT" panose="020B0502020104020203" pitchFamily="34" charset="0"/>
+                <a:ea typeface="Arial"/>
+                <a:cs typeface="Arial"/>
+                <a:sym typeface="Arial"/>
+              </a:rPr>
+              <a:t> </a:t>
+            </a:r>
+            <a:endParaRPr lang="en-US" sz="1800" dirty="0">
+              <a:latin typeface="Gill Sans MT" panose="020B0502020104020203" pitchFamily="34" charset="0"/>
+            </a:endParaRPr>
           </a:p>
         </p:txBody>
       </p:sp>
     </p:spTree>
     <p:extLst>
       <p:ext uri="{BB962C8B-B14F-4D97-AF65-F5344CB8AC3E}">
-        <p14:creationId xmlns:p14="http://schemas.microsoft.com/office/powerpoint/2010/main" val="2567775033"/>
+        <p14:creationId xmlns:p14="http://schemas.microsoft.com/office/powerpoint/2010/main" val="2898126909"/>
       </p:ext>
     </p:extLst>
   </p:cSld>
   <p:clrMapOvr>
     <a:masterClrMapping/>
   </p:clrMapOvr>
-  <p:timing>
-    <p:tnLst>
-      <p:par>
-        <p:cTn id="1" dur="indefinite" restart="never" nodeType="tmRoot"/>
-      </p:par>
-    </p:tnLst>
-  </p:timing>
 </p:sld>
 </file>
 
@@ -5554,7 +5113,13 @@
       </p:grpSpPr>
       <p:sp>
         <p:nvSpPr>
-          <p:cNvPr id="2" name="Title 1"/>
+          <p:cNvPr id="2" name="Title 1">
+            <a:extLst>
+              <a:ext uri="{FF2B5EF4-FFF2-40B4-BE49-F238E27FC236}">
+                <a16:creationId xmlns:a16="http://schemas.microsoft.com/office/drawing/2014/main" xmlns="" id="{EF2FEF11-DF4B-1BA3-49BA-0C1F794C4860}"/>
+              </a:ext>
+            </a:extLst>
+          </p:cNvPr>
           <p:cNvSpPr>
             <a:spLocks noGrp="1"/>
           </p:cNvSpPr>
@@ -5565,136 +5130,245 @@
         <p:spPr/>
         <p:txBody>
           <a:bodyPr>
-            <a:normAutofit/>
+            <a:normAutofit fontScale="90000"/>
           </a:bodyPr>
           <a:lstStyle/>
           <a:p>
+            <a:pPr algn="ctr"/>
             <a:r>
               <a:rPr lang="en-US" dirty="0"/>
-              <a:t>8</a:t>
-            </a:r>
-            <a:r>
-              <a:rPr lang="en-US" dirty="0" smtClean="0"/>
-              <a:t>. Manage </a:t>
-            </a:r>
-            <a:r>
-              <a:rPr lang="en-US" dirty="0"/>
-              <a:t>Requirements </a:t>
-            </a:r>
-            <a:r>
-              <a:rPr lang="en-US" dirty="0" smtClean="0"/>
-              <a:t>Changes</a:t>
-            </a:r>
-            <a:endParaRPr lang="en-US" dirty="0"/>
-          </a:p>
-        </p:txBody>
-      </p:sp>
-      <p:sp>
-        <p:nvSpPr>
-          <p:cNvPr id="3" name="Content Placeholder 2"/>
-          <p:cNvSpPr>
-            <a:spLocks noGrp="1"/>
+              <a:t>Data collected from the document review and research </a:t>
+            </a:r>
+          </a:p>
+        </p:txBody>
+      </p:sp>
+      <p:sp>
+        <p:nvSpPr>
+          <p:cNvPr id="4" name="Rectangle 1">
+            <a:extLst>
+              <a:ext uri="{FF2B5EF4-FFF2-40B4-BE49-F238E27FC236}">
+                <a16:creationId xmlns:a16="http://schemas.microsoft.com/office/drawing/2014/main" xmlns="" id="{949905D0-ADC0-66DF-21D5-A14E32BE6EEE}"/>
+              </a:ext>
+            </a:extLst>
+          </p:cNvPr>
+          <p:cNvSpPr>
+            <a:spLocks noGrp="1" noChangeArrowheads="1"/>
           </p:cNvSpPr>
           <p:nvPr>
             <p:ph sz="quarter" idx="1"/>
           </p:nvPr>
         </p:nvSpPr>
-        <p:spPr/>
-        <p:txBody>
-          <a:bodyPr/>
-          <a:lstStyle/>
-          <a:p>
-            <a:pPr marL="514350" indent="-514350">
+        <p:spPr bwMode="auto">
+          <a:xfrm>
+            <a:off x="445477" y="1262114"/>
+            <a:ext cx="8229600" cy="2741776"/>
+          </a:xfrm>
+          <a:prstGeom prst="rect">
+            <a:avLst/>
+          </a:prstGeom>
+          <a:noFill/>
+          <a:ln>
+            <a:noFill/>
+          </a:ln>
+          <a:effectLst/>
+          <a:extLst>
+            <a:ext uri="{909E8E84-426E-40DD-AFC4-6F175D3DCCD1}">
+              <a14:hiddenFill xmlns:a14="http://schemas.microsoft.com/office/drawing/2010/main">
+                <a:solidFill>
+                  <a:schemeClr val="accent1"/>
+                </a:solidFill>
+              </a14:hiddenFill>
+            </a:ext>
+            <a:ext uri="{91240B29-F687-4F45-9708-019B960494DF}">
+              <a14:hiddenLine xmlns:a14="http://schemas.microsoft.com/office/drawing/2010/main" w="9525">
+                <a:solidFill>
+                  <a:schemeClr val="tx1"/>
+                </a:solidFill>
+                <a:miter lim="800000"/>
+                <a:headEnd/>
+                <a:tailEnd/>
+              </a14:hiddenLine>
+            </a:ext>
+            <a:ext uri="{AF507438-7753-43E0-B8FC-AC1667EBCBE1}">
+              <a14:hiddenEffects xmlns:a14="http://schemas.microsoft.com/office/drawing/2010/main">
+                <a:effectLst>
+                  <a:outerShdw dist="35921" dir="2700000" algn="ctr" rotWithShape="0">
+                    <a:schemeClr val="bg2"/>
+                  </a:outerShdw>
+                </a:effectLst>
+              </a14:hiddenEffects>
+            </a:ext>
+          </a:extLst>
+        </p:spPr>
+        <p:txBody>
+          <a:bodyPr vert="horz" wrap="square" lIns="91440" tIns="45720" rIns="91440" bIns="45720" numCol="1" anchor="ctr" anchorCtr="0" compatLnSpc="1">
+            <a:prstTxWarp prst="textNoShape">
+              <a:avLst/>
+            </a:prstTxWarp>
+            <a:spAutoFit/>
+          </a:bodyPr>
+          <a:lstStyle/>
+          <a:p>
+            <a:pPr marL="342900" marR="0" lvl="0" indent="-342900" algn="l" defTabSz="914400" rtl="0" eaLnBrk="0" fontAlgn="base" latinLnBrk="0" hangingPunct="0">
+              <a:lnSpc>
+                <a:spcPct val="250000"/>
+              </a:lnSpc>
+              <a:spcBef>
+                <a:spcPct val="0"/>
+              </a:spcBef>
+              <a:spcAft>
+                <a:spcPct val="0"/>
+              </a:spcAft>
+              <a:buClrTx/>
+              <a:buSzTx/>
+              <a:buFont typeface="+mj-lt"/>
+              <a:buAutoNum type="arabicPeriod"/>
+              <a:tabLst/>
+            </a:pPr>
+            <a:r>
+              <a:rPr kumimoji="0" lang="en-US" altLang="en-US" sz="1800" b="1" i="0" u="none" strike="noStrike" cap="none" normalizeH="0" baseline="0" dirty="0">
+                <a:ln>
+                  <a:noFill/>
+                </a:ln>
+                <a:solidFill>
+                  <a:schemeClr val="tx2"/>
+                </a:solidFill>
+                <a:effectLst/>
+              </a:rPr>
+              <a:t>Early Warning Systems:</a:t>
+            </a:r>
+            <a:endParaRPr kumimoji="0" lang="en-US" altLang="en-US" sz="1800" b="0" i="0" u="none" strike="noStrike" cap="none" normalizeH="0" baseline="0" dirty="0">
+              <a:ln>
+                <a:noFill/>
+              </a:ln>
+              <a:solidFill>
+                <a:schemeClr val="tx2"/>
+              </a:solidFill>
+              <a:effectLst/>
+            </a:endParaRPr>
+          </a:p>
+          <a:p>
+            <a:pPr marL="342900" marR="0" lvl="0" indent="-342900" algn="l" defTabSz="914400" rtl="0" eaLnBrk="0" fontAlgn="base" latinLnBrk="0" hangingPunct="0">
+              <a:lnSpc>
+                <a:spcPct val="250000"/>
+              </a:lnSpc>
+              <a:spcBef>
+                <a:spcPct val="0"/>
+              </a:spcBef>
+              <a:spcAft>
+                <a:spcPct val="0"/>
+              </a:spcAft>
+              <a:buClrTx/>
+              <a:buSzTx/>
+              <a:buFont typeface="+mj-lt"/>
+              <a:buAutoNum type="arabicPeriod"/>
+              <a:tabLst/>
+            </a:pPr>
+            <a:r>
+              <a:rPr kumimoji="0" lang="en-US" altLang="en-US" sz="1800" b="1" i="0" u="none" strike="noStrike" cap="none" normalizeH="0" baseline="0" dirty="0">
+                <a:ln>
+                  <a:noFill/>
+                </a:ln>
+                <a:solidFill>
+                  <a:schemeClr val="tx2"/>
+                </a:solidFill>
+                <a:effectLst/>
+              </a:rPr>
+              <a:t>Risk Assessment &amp; Hazard Mapping</a:t>
+            </a:r>
+            <a:r>
+              <a:rPr kumimoji="0" lang="en-US" altLang="en-US" sz="1800" b="0" i="0" u="none" strike="noStrike" cap="none" normalizeH="0" baseline="0" dirty="0">
+                <a:ln>
+                  <a:noFill/>
+                </a:ln>
+                <a:solidFill>
+                  <a:schemeClr val="tx2"/>
+                </a:solidFill>
+                <a:effectLst/>
+              </a:rPr>
+              <a:t>. </a:t>
+            </a:r>
+          </a:p>
+          <a:p>
+            <a:pPr marL="342900" marR="0" lvl="0" indent="-342900" algn="l" defTabSz="914400" rtl="0" eaLnBrk="0" fontAlgn="base" latinLnBrk="0" hangingPunct="0">
+              <a:lnSpc>
+                <a:spcPct val="250000"/>
+              </a:lnSpc>
+              <a:spcBef>
+                <a:spcPct val="0"/>
+              </a:spcBef>
+              <a:spcAft>
+                <a:spcPct val="0"/>
+              </a:spcAft>
+              <a:buClrTx/>
+              <a:buSzTx/>
+              <a:buFont typeface="+mj-lt"/>
+              <a:buAutoNum type="arabicPeriod"/>
+              <a:tabLst/>
+            </a:pPr>
+            <a:r>
+              <a:rPr kumimoji="0" lang="en-US" altLang="en-US" sz="1800" b="1" i="0" u="none" strike="noStrike" cap="none" normalizeH="0" baseline="0" dirty="0">
+                <a:ln>
+                  <a:noFill/>
+                </a:ln>
+                <a:solidFill>
+                  <a:schemeClr val="tx2"/>
+                </a:solidFill>
+                <a:effectLst/>
+              </a:rPr>
+              <a:t>Disaster Response &amp; Coordination</a:t>
+            </a:r>
+          </a:p>
+          <a:p>
+            <a:pPr marL="342900" indent="-342900" eaLnBrk="0" fontAlgn="base" hangingPunct="0">
+              <a:lnSpc>
+                <a:spcPct val="250000"/>
+              </a:lnSpc>
+              <a:spcBef>
+                <a:spcPct val="0"/>
+              </a:spcBef>
+              <a:spcAft>
+                <a:spcPct val="0"/>
+              </a:spcAft>
+              <a:buClrTx/>
+              <a:buSzTx/>
               <a:buFont typeface="+mj-lt"/>
               <a:buAutoNum type="arabicPeriod"/>
             </a:pPr>
-            <a:endParaRPr lang="en-US" dirty="0" smtClean="0"/>
-          </a:p>
-          <a:p>
-            <a:pPr marL="514350" indent="-514350">
-              <a:buFont typeface="+mj-lt"/>
-              <a:buAutoNum type="arabicPeriod"/>
-            </a:pPr>
-            <a:r>
-              <a:rPr lang="en-US" dirty="0" smtClean="0">
+            <a:r>
+              <a:rPr kumimoji="0" lang="en-US" altLang="en-US" sz="1800" b="1" i="0" u="none" strike="noStrike" cap="none" normalizeH="0" baseline="0" dirty="0">
+                <a:ln>
+                  <a:noFill/>
+                </a:ln>
                 <a:solidFill>
                   <a:schemeClr val="tx2"/>
                 </a:solidFill>
+                <a:effectLst/>
               </a:rPr>
-              <a:t>Change </a:t>
-            </a:r>
-            <a:r>
-              <a:rPr lang="en-US" dirty="0">
-                <a:solidFill>
-                  <a:schemeClr val="tx2"/>
-                </a:solidFill>
-              </a:rPr>
-              <a:t>Request </a:t>
-            </a:r>
-            <a:r>
-              <a:rPr lang="en-US" dirty="0" smtClean="0">
-                <a:solidFill>
-                  <a:schemeClr val="tx2"/>
-                </a:solidFill>
-              </a:rPr>
-              <a:t>Submission</a:t>
-            </a:r>
-          </a:p>
-          <a:p>
-            <a:pPr marL="514350" indent="-514350">
-              <a:buFont typeface="+mj-lt"/>
-              <a:buAutoNum type="arabicPeriod"/>
-            </a:pPr>
-            <a:r>
-              <a:rPr lang="en-US" dirty="0">
-                <a:solidFill>
-                  <a:schemeClr val="tx2"/>
-                </a:solidFill>
-              </a:rPr>
-              <a:t>Communication and </a:t>
-            </a:r>
-            <a:r>
-              <a:rPr lang="en-US" dirty="0" smtClean="0">
-                <a:solidFill>
-                  <a:schemeClr val="tx2"/>
-                </a:solidFill>
-              </a:rPr>
-              <a:t>Dissemination</a:t>
-            </a:r>
-          </a:p>
-          <a:p>
-            <a:pPr marL="514350" indent="-514350">
-              <a:buFont typeface="+mj-lt"/>
-              <a:buAutoNum type="arabicPeriod"/>
-            </a:pPr>
-            <a:r>
-              <a:rPr lang="en-US" dirty="0">
-                <a:solidFill>
-                  <a:schemeClr val="tx2"/>
-                </a:solidFill>
-              </a:rPr>
-              <a:t>Ongoing Monitoring and Evaluation</a:t>
-            </a:r>
+              <a:t>Community Vulnerability</a:t>
+            </a:r>
+            <a:endParaRPr kumimoji="0" lang="en-US" altLang="en-US" sz="1800" b="0" i="0" u="none" strike="noStrike" cap="none" normalizeH="0" baseline="0" dirty="0">
+              <a:ln>
+                <a:noFill/>
+              </a:ln>
+              <a:solidFill>
+                <a:schemeClr val="tx2"/>
+              </a:solidFill>
+              <a:effectLst/>
+            </a:endParaRPr>
           </a:p>
         </p:txBody>
       </p:sp>
     </p:spTree>
     <p:extLst>
       <p:ext uri="{BB962C8B-B14F-4D97-AF65-F5344CB8AC3E}">
-        <p14:creationId xmlns:p14="http://schemas.microsoft.com/office/powerpoint/2010/main" val="1445196641"/>
+        <p14:creationId xmlns:p14="http://schemas.microsoft.com/office/powerpoint/2010/main" val="2534707314"/>
       </p:ext>
     </p:extLst>
   </p:cSld>
   <p:clrMapOvr>
     <a:masterClrMapping/>
   </p:clrMapOvr>
-  <p:timing>
-    <p:tnLst>
-      <p:par>
-        <p:cTn id="1" dur="indefinite" restart="never" nodeType="tmRoot"/>
-      </p:par>
-    </p:tnLst>
-  </p:timing>
 </p:sld>
 </file>
 
@@ -5717,43 +5391,759 @@
       </p:grpSpPr>
       <p:sp>
         <p:nvSpPr>
-          <p:cNvPr id="7" name="Title 6"/>
+          <p:cNvPr id="4" name="Title 3"/>
           <p:cNvSpPr>
             <a:spLocks noGrp="1"/>
           </p:cNvSpPr>
           <p:nvPr>
             <p:ph type="title"/>
+          </p:nvPr>
+        </p:nvSpPr>
+        <p:spPr/>
+        <p:txBody>
+          <a:bodyPr/>
+          <a:lstStyle/>
+          <a:p>
+            <a:r>
+              <a:rPr lang="en-US" b="1" dirty="0"/>
+              <a:t>Citizen Interview</a:t>
+            </a:r>
+          </a:p>
+        </p:txBody>
+      </p:sp>
+      <p:sp>
+        <p:nvSpPr>
+          <p:cNvPr id="6" name="Content Placeholder 5"/>
+          <p:cNvSpPr>
+            <a:spLocks noGrp="1"/>
+          </p:cNvSpPr>
+          <p:nvPr>
+            <p:ph sz="quarter" idx="2"/>
           </p:nvPr>
         </p:nvSpPr>
         <p:spPr>
           <a:xfrm>
-            <a:off x="457200" y="2362200"/>
-            <a:ext cx="8229600" cy="1752600"/>
+            <a:off x="3629523" y="1417320"/>
+            <a:ext cx="5397246" cy="4937760"/>
           </a:xfrm>
         </p:spPr>
         <p:txBody>
           <a:bodyPr>
-            <a:noAutofit/>
+            <a:normAutofit/>
           </a:bodyPr>
           <a:lstStyle/>
           <a:p>
-            <a:pPr algn="ctr"/>
-            <a:r>
-              <a:rPr lang="en-US" sz="6600" dirty="0" smtClean="0">
-                <a:latin typeface="+mn-lt"/>
+            <a:pPr marL="457200" indent="-457200">
+              <a:lnSpc>
+                <a:spcPct val="150000"/>
+              </a:lnSpc>
+              <a:spcBef>
+                <a:spcPts val="0"/>
+              </a:spcBef>
+              <a:buClr>
+                <a:srgbClr val="1F1F1F"/>
+              </a:buClr>
+              <a:buSzPts val="2000"/>
+              <a:buFont typeface="+mj-lt"/>
+              <a:buAutoNum type="arabicPeriod"/>
+            </a:pPr>
+            <a:r>
+              <a:rPr lang="en-US" sz="2200" dirty="0">
+                <a:solidFill>
+                  <a:schemeClr val="tx2"/>
+                </a:solidFill>
+                <a:ea typeface="Arial"/>
+                <a:cs typeface="Arial"/>
+                <a:sym typeface="Arial"/>
               </a:rPr>
-              <a:t>THE END!!!</a:t>
-            </a:r>
-            <a:endParaRPr lang="en-US" sz="6600" dirty="0">
-              <a:latin typeface="+mn-lt"/>
-            </a:endParaRPr>
-          </a:p>
-        </p:txBody>
-      </p:sp>
+              <a:t>User Feedback and Support</a:t>
+            </a:r>
+          </a:p>
+          <a:p>
+            <a:pPr marL="457200" indent="-457200">
+              <a:lnSpc>
+                <a:spcPct val="150000"/>
+              </a:lnSpc>
+              <a:spcBef>
+                <a:spcPts val="0"/>
+              </a:spcBef>
+              <a:buClr>
+                <a:srgbClr val="1F1F1F"/>
+              </a:buClr>
+              <a:buSzPts val="2000"/>
+              <a:buFont typeface="+mj-lt"/>
+              <a:buAutoNum type="arabicPeriod"/>
+            </a:pPr>
+            <a:r>
+              <a:rPr lang="en-US" sz="2200" dirty="0">
+                <a:solidFill>
+                  <a:schemeClr val="tx2"/>
+                </a:solidFill>
+                <a:ea typeface="Arial"/>
+                <a:cs typeface="Arial"/>
+                <a:sym typeface="Arial"/>
+              </a:rPr>
+              <a:t>Offline functionality</a:t>
+            </a:r>
+          </a:p>
+          <a:p>
+            <a:pPr marL="457200" indent="-457200">
+              <a:lnSpc>
+                <a:spcPct val="150000"/>
+              </a:lnSpc>
+              <a:spcBef>
+                <a:spcPts val="0"/>
+              </a:spcBef>
+              <a:buClr>
+                <a:srgbClr val="1F1F1F"/>
+              </a:buClr>
+              <a:buSzPts val="2000"/>
+              <a:buFont typeface="+mj-lt"/>
+              <a:buAutoNum type="arabicPeriod"/>
+            </a:pPr>
+            <a:r>
+              <a:rPr lang="en-US" sz="2200" dirty="0">
+                <a:solidFill>
+                  <a:schemeClr val="tx2"/>
+                </a:solidFill>
+                <a:ea typeface="Arial"/>
+                <a:cs typeface="Arial"/>
+                <a:sym typeface="Arial"/>
+              </a:rPr>
+              <a:t>Multi-Language Support</a:t>
+            </a:r>
+          </a:p>
+          <a:p>
+            <a:pPr marL="457200" indent="-457200">
+              <a:lnSpc>
+                <a:spcPct val="150000"/>
+              </a:lnSpc>
+              <a:spcBef>
+                <a:spcPts val="0"/>
+              </a:spcBef>
+              <a:buClr>
+                <a:srgbClr val="1F1F1F"/>
+              </a:buClr>
+              <a:buSzPts val="2000"/>
+              <a:buFont typeface="+mj-lt"/>
+              <a:buAutoNum type="arabicPeriod"/>
+            </a:pPr>
+            <a:r>
+              <a:rPr lang="en-US" sz="2200" dirty="0">
+                <a:solidFill>
+                  <a:schemeClr val="tx2"/>
+                </a:solidFill>
+                <a:ea typeface="Arial"/>
+                <a:cs typeface="Arial"/>
+                <a:sym typeface="Arial"/>
+              </a:rPr>
+              <a:t>Report Disaster</a:t>
+            </a:r>
+          </a:p>
+          <a:p>
+            <a:pPr marL="457200" indent="-457200">
+              <a:lnSpc>
+                <a:spcPct val="150000"/>
+              </a:lnSpc>
+              <a:spcBef>
+                <a:spcPts val="0"/>
+              </a:spcBef>
+              <a:buClr>
+                <a:srgbClr val="1F1F1F"/>
+              </a:buClr>
+              <a:buSzPts val="2000"/>
+              <a:buFont typeface="+mj-lt"/>
+              <a:buAutoNum type="arabicPeriod"/>
+            </a:pPr>
+            <a:r>
+              <a:rPr lang="en-US" sz="2200" dirty="0">
+                <a:solidFill>
+                  <a:schemeClr val="tx2"/>
+                </a:solidFill>
+                <a:ea typeface="Arial"/>
+                <a:cs typeface="Arial"/>
+                <a:sym typeface="Arial"/>
+              </a:rPr>
+              <a:t>Evacuation Routes</a:t>
+            </a:r>
+          </a:p>
+          <a:p>
+            <a:pPr marL="457200" indent="-457200">
+              <a:lnSpc>
+                <a:spcPct val="150000"/>
+              </a:lnSpc>
+              <a:spcBef>
+                <a:spcPts val="0"/>
+              </a:spcBef>
+              <a:buClr>
+                <a:srgbClr val="1F1F1F"/>
+              </a:buClr>
+              <a:buSzPts val="2000"/>
+              <a:buFont typeface="+mj-lt"/>
+              <a:buAutoNum type="arabicPeriod"/>
+            </a:pPr>
+            <a:r>
+              <a:rPr lang="en-US" sz="2200" dirty="0">
+                <a:solidFill>
+                  <a:schemeClr val="tx2"/>
+                </a:solidFill>
+                <a:ea typeface="Arial"/>
+                <a:cs typeface="Arial"/>
+                <a:sym typeface="Arial"/>
+              </a:rPr>
+              <a:t>Request Help</a:t>
+            </a:r>
+          </a:p>
+          <a:p>
+            <a:pPr marL="457200" indent="-457200">
+              <a:lnSpc>
+                <a:spcPct val="150000"/>
+              </a:lnSpc>
+              <a:spcBef>
+                <a:spcPts val="0"/>
+              </a:spcBef>
+              <a:buClr>
+                <a:srgbClr val="1F1F1F"/>
+              </a:buClr>
+              <a:buSzPts val="2000"/>
+              <a:buFont typeface="+mj-lt"/>
+              <a:buAutoNum type="arabicPeriod"/>
+            </a:pPr>
+            <a:r>
+              <a:rPr lang="en-US" sz="2200" dirty="0">
+                <a:solidFill>
+                  <a:schemeClr val="tx2"/>
+                </a:solidFill>
+                <a:ea typeface="Arial"/>
+                <a:cs typeface="Arial"/>
+                <a:sym typeface="Arial"/>
+              </a:rPr>
+              <a:t>Alerts and notifications</a:t>
+            </a:r>
+          </a:p>
+          <a:p>
+            <a:pPr marL="457200" indent="-457200">
+              <a:lnSpc>
+                <a:spcPct val="150000"/>
+              </a:lnSpc>
+              <a:spcBef>
+                <a:spcPts val="0"/>
+              </a:spcBef>
+              <a:buClr>
+                <a:srgbClr val="1F1F1F"/>
+              </a:buClr>
+              <a:buSzPts val="2000"/>
+              <a:buFont typeface="+mj-lt"/>
+              <a:buAutoNum type="arabicPeriod"/>
+            </a:pPr>
+            <a:r>
+              <a:rPr lang="en-US" sz="2200" dirty="0">
+                <a:solidFill>
+                  <a:schemeClr val="tx2"/>
+                </a:solidFill>
+                <a:ea typeface="Arial"/>
+                <a:cs typeface="Arial"/>
+                <a:sym typeface="Arial"/>
+              </a:rPr>
+              <a:t>Receive alerts offline (SMS)</a:t>
+            </a:r>
+          </a:p>
+          <a:p>
+            <a:pPr marL="457200" indent="-457200">
+              <a:lnSpc>
+                <a:spcPct val="150000"/>
+              </a:lnSpc>
+              <a:spcBef>
+                <a:spcPts val="0"/>
+              </a:spcBef>
+              <a:buClr>
+                <a:srgbClr val="1F1F1F"/>
+              </a:buClr>
+              <a:buSzPts val="2000"/>
+              <a:buFont typeface="+mj-lt"/>
+              <a:buAutoNum type="arabicPeriod"/>
+            </a:pPr>
+            <a:r>
+              <a:rPr lang="en-US" sz="2200" dirty="0">
+                <a:solidFill>
+                  <a:schemeClr val="tx2"/>
+                </a:solidFill>
+                <a:ea typeface="Arial"/>
+                <a:cs typeface="Arial"/>
+                <a:sym typeface="Arial"/>
+              </a:rPr>
+              <a:t>Usability</a:t>
+            </a:r>
+          </a:p>
+        </p:txBody>
+      </p:sp>
+      <p:pic>
+        <p:nvPicPr>
+          <p:cNvPr id="7" name="Google Shape;194;p19"/>
+          <p:cNvPicPr preferRelativeResize="0">
+            <a:picLocks/>
+          </p:cNvPicPr>
+          <p:nvPr/>
+        </p:nvPicPr>
+        <p:blipFill rotWithShape="1">
+          <a:blip r:embed="rId2">
+            <a:alphaModFix/>
+          </a:blip>
+          <a:srcRect/>
+          <a:stretch/>
+        </p:blipFill>
+        <p:spPr>
+          <a:xfrm>
+            <a:off x="603737" y="2379785"/>
+            <a:ext cx="2734241" cy="2637692"/>
+          </a:xfrm>
+          <a:prstGeom prst="rect">
+            <a:avLst/>
+          </a:prstGeom>
+          <a:noFill/>
+          <a:ln>
+            <a:noFill/>
+          </a:ln>
+        </p:spPr>
+      </p:pic>
     </p:spTree>
     <p:extLst>
       <p:ext uri="{BB962C8B-B14F-4D97-AF65-F5344CB8AC3E}">
-        <p14:creationId xmlns:p14="http://schemas.microsoft.com/office/powerpoint/2010/main" val="3796263381"/>
+        <p14:creationId xmlns:p14="http://schemas.microsoft.com/office/powerpoint/2010/main" val="489537042"/>
+      </p:ext>
+    </p:extLst>
+  </p:cSld>
+  <p:clrMapOvr>
+    <a:masterClrMapping/>
+  </p:clrMapOvr>
+</p:sld>
+</file>
+
+<file path=ppt/slides/slide17.xml><?xml version="1.0" encoding="utf-8"?>
+<p:sld xmlns:a="http://schemas.openxmlformats.org/drawingml/2006/main" xmlns:r="http://schemas.openxmlformats.org/officeDocument/2006/relationships" xmlns:p="http://schemas.openxmlformats.org/presentationml/2006/main">
+  <p:cSld>
+    <p:spTree>
+      <p:nvGrpSpPr>
+        <p:cNvPr id="1" name=""/>
+        <p:cNvGrpSpPr/>
+        <p:nvPr/>
+      </p:nvGrpSpPr>
+      <p:grpSpPr>
+        <a:xfrm>
+          <a:off x="0" y="0"/>
+          <a:ext cx="0" cy="0"/>
+          <a:chOff x="0" y="0"/>
+          <a:chExt cx="0" cy="0"/>
+        </a:xfrm>
+      </p:grpSpPr>
+      <p:sp>
+        <p:nvSpPr>
+          <p:cNvPr id="2" name="Title 1">
+            <a:extLst>
+              <a:ext uri="{FF2B5EF4-FFF2-40B4-BE49-F238E27FC236}">
+                <a16:creationId xmlns:a16="http://schemas.microsoft.com/office/drawing/2014/main" xmlns="" id="{C1EE158B-EF9C-FDC5-4BC2-D4B948223494}"/>
+              </a:ext>
+            </a:extLst>
+          </p:cNvPr>
+          <p:cNvSpPr>
+            <a:spLocks noGrp="1"/>
+          </p:cNvSpPr>
+          <p:nvPr>
+            <p:ph type="title"/>
+          </p:nvPr>
+        </p:nvSpPr>
+        <p:spPr/>
+        <p:txBody>
+          <a:bodyPr/>
+          <a:lstStyle/>
+          <a:p>
+            <a:r>
+              <a:rPr lang="en-US" b="1" dirty="0"/>
+              <a:t>Brainstorming</a:t>
+            </a:r>
+          </a:p>
+        </p:txBody>
+      </p:sp>
+      <p:sp>
+        <p:nvSpPr>
+          <p:cNvPr id="4" name="Content Placeholder 3">
+            <a:extLst>
+              <a:ext uri="{FF2B5EF4-FFF2-40B4-BE49-F238E27FC236}">
+                <a16:creationId xmlns:a16="http://schemas.microsoft.com/office/drawing/2014/main" xmlns="" id="{6A05B359-0D97-FDBB-A543-C495F1D1C0B0}"/>
+              </a:ext>
+            </a:extLst>
+          </p:cNvPr>
+          <p:cNvSpPr>
+            <a:spLocks noGrp="1"/>
+          </p:cNvSpPr>
+          <p:nvPr>
+            <p:ph sz="quarter" idx="2"/>
+          </p:nvPr>
+        </p:nvSpPr>
+        <p:spPr>
+          <a:xfrm>
+            <a:off x="3810000" y="2590800"/>
+            <a:ext cx="4876800" cy="2110324"/>
+          </a:xfrm>
+        </p:spPr>
+        <p:txBody>
+          <a:bodyPr>
+            <a:normAutofit/>
+          </a:bodyPr>
+          <a:lstStyle/>
+          <a:p>
+            <a:r>
+              <a:rPr lang="en-US" dirty="0"/>
+              <a:t>After getting the needs of our stakeholders it was then time to put the team together and brain storm having their needs in mind.</a:t>
+            </a:r>
+          </a:p>
+        </p:txBody>
+      </p:sp>
+      <p:pic>
+        <p:nvPicPr>
+          <p:cNvPr id="1026" name="Picture 2" descr="Brain, Idea, Creativity Illustration Graphic by Cmeree · Creative Fabrica">
+            <a:extLst>
+              <a:ext uri="{FF2B5EF4-FFF2-40B4-BE49-F238E27FC236}">
+                <a16:creationId xmlns:a16="http://schemas.microsoft.com/office/drawing/2014/main" xmlns="" id="{56CB8612-EF8A-BB57-1226-2AB5B3C65EDA}"/>
+              </a:ext>
+            </a:extLst>
+          </p:cNvPr>
+          <p:cNvPicPr>
+            <a:picLocks noGrp="1" noChangeAspect="1" noChangeArrowheads="1"/>
+          </p:cNvPicPr>
+          <p:nvPr>
+            <p:ph sz="quarter" idx="1"/>
+          </p:nvPr>
+        </p:nvPicPr>
+        <p:blipFill>
+          <a:blip r:embed="rId2" cstate="print">
+            <a:extLst>
+              <a:ext uri="{28A0092B-C50C-407E-A947-70E740481C1C}">
+                <a14:useLocalDpi xmlns:a14="http://schemas.microsoft.com/office/drawing/2010/main" val="0"/>
+              </a:ext>
+            </a:extLst>
+          </a:blip>
+          <a:srcRect/>
+          <a:stretch>
+            <a:fillRect/>
+          </a:stretch>
+        </p:blipFill>
+        <p:spPr bwMode="auto">
+          <a:xfrm>
+            <a:off x="76201" y="2080676"/>
+            <a:ext cx="3962399" cy="2696648"/>
+          </a:xfrm>
+          <a:prstGeom prst="rect">
+            <a:avLst/>
+          </a:prstGeom>
+          <a:noFill/>
+          <a:extLst>
+            <a:ext uri="{909E8E84-426E-40DD-AFC4-6F175D3DCCD1}">
+              <a14:hiddenFill xmlns:a14="http://schemas.microsoft.com/office/drawing/2010/main">
+                <a:solidFill>
+                  <a:srgbClr val="FFFFFF"/>
+                </a:solidFill>
+              </a14:hiddenFill>
+            </a:ext>
+          </a:extLst>
+        </p:spPr>
+      </p:pic>
+    </p:spTree>
+    <p:extLst>
+      <p:ext uri="{BB962C8B-B14F-4D97-AF65-F5344CB8AC3E}">
+        <p14:creationId xmlns:p14="http://schemas.microsoft.com/office/powerpoint/2010/main" val="2600728573"/>
+      </p:ext>
+    </p:extLst>
+  </p:cSld>
+  <p:clrMapOvr>
+    <a:masterClrMapping/>
+  </p:clrMapOvr>
+</p:sld>
+</file>
+
+<file path=ppt/slides/slide18.xml><?xml version="1.0" encoding="utf-8"?>
+<p:sld xmlns:a="http://schemas.openxmlformats.org/drawingml/2006/main" xmlns:r="http://schemas.openxmlformats.org/officeDocument/2006/relationships" xmlns:p="http://schemas.openxmlformats.org/presentationml/2006/main">
+  <p:cSld>
+    <p:spTree>
+      <p:nvGrpSpPr>
+        <p:cNvPr id="1" name=""/>
+        <p:cNvGrpSpPr/>
+        <p:nvPr/>
+      </p:nvGrpSpPr>
+      <p:grpSpPr>
+        <a:xfrm>
+          <a:off x="0" y="0"/>
+          <a:ext cx="0" cy="0"/>
+          <a:chOff x="0" y="0"/>
+          <a:chExt cx="0" cy="0"/>
+        </a:xfrm>
+      </p:grpSpPr>
+      <p:sp>
+        <p:nvSpPr>
+          <p:cNvPr id="2" name="Title 1"/>
+          <p:cNvSpPr>
+            <a:spLocks noGrp="1"/>
+          </p:cNvSpPr>
+          <p:nvPr>
+            <p:ph type="title"/>
+          </p:nvPr>
+        </p:nvSpPr>
+        <p:spPr/>
+        <p:txBody>
+          <a:bodyPr/>
+          <a:lstStyle/>
+          <a:p>
+            <a:r>
+              <a:rPr lang="en-US" b="1" dirty="0"/>
+              <a:t>Brainstorming</a:t>
+            </a:r>
+          </a:p>
+        </p:txBody>
+      </p:sp>
+      <p:sp>
+        <p:nvSpPr>
+          <p:cNvPr id="3" name="Content Placeholder 2"/>
+          <p:cNvSpPr>
+            <a:spLocks noGrp="1"/>
+          </p:cNvSpPr>
+          <p:nvPr>
+            <p:ph sz="quarter" idx="1"/>
+          </p:nvPr>
+        </p:nvSpPr>
+        <p:spPr>
+          <a:xfrm>
+            <a:off x="460625" y="1524000"/>
+            <a:ext cx="8229600" cy="3962400"/>
+          </a:xfrm>
+        </p:spPr>
+        <p:txBody>
+          <a:bodyPr>
+            <a:normAutofit lnSpcReduction="10000"/>
+          </a:bodyPr>
+          <a:lstStyle/>
+          <a:p>
+            <a:pPr marL="514350" lvl="0" indent="-514350">
+              <a:buFont typeface="+mj-lt"/>
+              <a:buAutoNum type="arabicPeriod"/>
+            </a:pPr>
+            <a:r>
+              <a:rPr lang="en-US" dirty="0">
+                <a:solidFill>
+                  <a:schemeClr val="tx2"/>
+                </a:solidFill>
+              </a:rPr>
+              <a:t>Real-time alert and notification (Preparation &amp; Response)</a:t>
+            </a:r>
+          </a:p>
+          <a:p>
+            <a:pPr marL="514350" lvl="0" indent="-514350">
+              <a:buFont typeface="+mj-lt"/>
+              <a:buAutoNum type="arabicPeriod"/>
+            </a:pPr>
+            <a:r>
+              <a:rPr lang="en-US" dirty="0">
+                <a:solidFill>
+                  <a:schemeClr val="tx2"/>
+                </a:solidFill>
+              </a:rPr>
+              <a:t>Resource Management (Preparation, Response, Mitigation)</a:t>
+            </a:r>
+          </a:p>
+          <a:p>
+            <a:pPr marL="514350" lvl="0" indent="-514350">
+              <a:buFont typeface="+mj-lt"/>
+              <a:buAutoNum type="arabicPeriod"/>
+            </a:pPr>
+            <a:r>
+              <a:rPr lang="en-US" dirty="0">
+                <a:solidFill>
+                  <a:schemeClr val="tx2"/>
+                </a:solidFill>
+              </a:rPr>
+              <a:t>Communication (Response, Recovery, Mitigation)</a:t>
+            </a:r>
+          </a:p>
+          <a:p>
+            <a:pPr marL="514350" lvl="0" indent="-514350">
+              <a:buFont typeface="+mj-lt"/>
+              <a:buAutoNum type="arabicPeriod"/>
+            </a:pPr>
+            <a:r>
+              <a:rPr lang="en-US" dirty="0">
+                <a:solidFill>
+                  <a:schemeClr val="tx2"/>
+                </a:solidFill>
+              </a:rPr>
+              <a:t>Geospatial data and mapping services (Response)</a:t>
+            </a:r>
+          </a:p>
+          <a:p>
+            <a:pPr marL="514350" lvl="0" indent="-514350">
+              <a:buFont typeface="+mj-lt"/>
+              <a:buAutoNum type="arabicPeriod"/>
+            </a:pPr>
+            <a:r>
+              <a:rPr lang="en-US" dirty="0">
+                <a:solidFill>
+                  <a:schemeClr val="tx2"/>
+                </a:solidFill>
+              </a:rPr>
+              <a:t>Incident reporting (Response)</a:t>
+            </a:r>
+          </a:p>
+          <a:p>
+            <a:pPr marL="514350" lvl="0" indent="-514350">
+              <a:buFont typeface="+mj-lt"/>
+              <a:buAutoNum type="arabicPeriod"/>
+            </a:pPr>
+            <a:r>
+              <a:rPr lang="en-US" dirty="0">
+                <a:solidFill>
+                  <a:schemeClr val="tx2"/>
+                </a:solidFill>
+              </a:rPr>
+              <a:t>Damage assessment (Response)</a:t>
+            </a:r>
+          </a:p>
+          <a:p>
+            <a:pPr marL="514350" lvl="0" indent="-514350">
+              <a:buFont typeface="+mj-lt"/>
+              <a:buAutoNum type="arabicPeriod"/>
+            </a:pPr>
+            <a:r>
+              <a:rPr lang="en-US" dirty="0">
+                <a:solidFill>
+                  <a:schemeClr val="tx2"/>
+                </a:solidFill>
+              </a:rPr>
+              <a:t>Disaster detection (Mitigation)</a:t>
+            </a:r>
+          </a:p>
+        </p:txBody>
+      </p:sp>
+    </p:spTree>
+    <p:extLst>
+      <p:ext uri="{BB962C8B-B14F-4D97-AF65-F5344CB8AC3E}">
+        <p14:creationId xmlns:p14="http://schemas.microsoft.com/office/powerpoint/2010/main" val="3709191831"/>
+      </p:ext>
+    </p:extLst>
+  </p:cSld>
+  <p:clrMapOvr>
+    <a:masterClrMapping/>
+  </p:clrMapOvr>
+</p:sld>
+</file>
+
+<file path=ppt/slides/slide19.xml><?xml version="1.0" encoding="utf-8"?>
+<p:sld xmlns:a="http://schemas.openxmlformats.org/drawingml/2006/main" xmlns:r="http://schemas.openxmlformats.org/officeDocument/2006/relationships" xmlns:p="http://schemas.openxmlformats.org/presentationml/2006/main">
+  <p:cSld>
+    <p:spTree>
+      <p:nvGrpSpPr>
+        <p:cNvPr id="1" name=""/>
+        <p:cNvGrpSpPr/>
+        <p:nvPr/>
+      </p:nvGrpSpPr>
+      <p:grpSpPr>
+        <a:xfrm>
+          <a:off x="0" y="0"/>
+          <a:ext cx="0" cy="0"/>
+          <a:chOff x="0" y="0"/>
+          <a:chExt cx="0" cy="0"/>
+        </a:xfrm>
+      </p:grpSpPr>
+      <p:sp>
+        <p:nvSpPr>
+          <p:cNvPr id="2" name="Title 1"/>
+          <p:cNvSpPr>
+            <a:spLocks noGrp="1"/>
+          </p:cNvSpPr>
+          <p:nvPr>
+            <p:ph type="title"/>
+          </p:nvPr>
+        </p:nvSpPr>
+        <p:spPr/>
+        <p:txBody>
+          <a:bodyPr>
+            <a:normAutofit/>
+          </a:bodyPr>
+          <a:lstStyle/>
+          <a:p>
+            <a:r>
+              <a:rPr lang="en-US" b="1" dirty="0"/>
+              <a:t>5. Manage Requirements Changes</a:t>
+            </a:r>
+          </a:p>
+        </p:txBody>
+      </p:sp>
+      <p:sp>
+        <p:nvSpPr>
+          <p:cNvPr id="3" name="Content Placeholder 2"/>
+          <p:cNvSpPr>
+            <a:spLocks noGrp="1"/>
+          </p:cNvSpPr>
+          <p:nvPr>
+            <p:ph sz="quarter" idx="1"/>
+          </p:nvPr>
+        </p:nvSpPr>
+        <p:spPr/>
+        <p:txBody>
+          <a:bodyPr/>
+          <a:lstStyle/>
+          <a:p>
+            <a:pPr marL="514350" indent="-514350">
+              <a:buFont typeface="+mj-lt"/>
+              <a:buAutoNum type="arabicPeriod"/>
+            </a:pPr>
+            <a:endParaRPr lang="en-US" dirty="0"/>
+          </a:p>
+          <a:p>
+            <a:pPr marL="514350" indent="-514350">
+              <a:buFont typeface="+mj-lt"/>
+              <a:buAutoNum type="arabicPeriod"/>
+            </a:pPr>
+            <a:r>
+              <a:rPr lang="en-US" dirty="0">
+                <a:solidFill>
+                  <a:schemeClr val="tx2"/>
+                </a:solidFill>
+              </a:rPr>
+              <a:t>Change Request Submission</a:t>
+            </a:r>
+          </a:p>
+          <a:p>
+            <a:pPr marL="514350" indent="-514350">
+              <a:buFont typeface="+mj-lt"/>
+              <a:buAutoNum type="arabicPeriod"/>
+            </a:pPr>
+            <a:r>
+              <a:rPr lang="en-US" dirty="0">
+                <a:solidFill>
+                  <a:schemeClr val="tx2"/>
+                </a:solidFill>
+              </a:rPr>
+              <a:t>Communication and Dissemination</a:t>
+            </a:r>
+          </a:p>
+          <a:p>
+            <a:pPr marL="514350" indent="-514350">
+              <a:buFont typeface="+mj-lt"/>
+              <a:buAutoNum type="arabicPeriod"/>
+            </a:pPr>
+            <a:r>
+              <a:rPr lang="en-US" dirty="0">
+                <a:solidFill>
+                  <a:schemeClr val="tx2"/>
+                </a:solidFill>
+              </a:rPr>
+              <a:t>Ongoing Monitoring and Evaluation</a:t>
+            </a:r>
+          </a:p>
+        </p:txBody>
+      </p:sp>
+    </p:spTree>
+    <p:extLst>
+      <p:ext uri="{BB962C8B-B14F-4D97-AF65-F5344CB8AC3E}">
+        <p14:creationId xmlns:p14="http://schemas.microsoft.com/office/powerpoint/2010/main" val="1445196641"/>
       </p:ext>
     </p:extLst>
   </p:cSld>
@@ -5796,10 +6186,9 @@
           <a:lstStyle/>
           <a:p>
             <a:r>
-              <a:rPr lang="en-US" dirty="0" smtClean="0"/>
+              <a:rPr lang="en-US" b="1" dirty="0"/>
               <a:t>OUTLINE</a:t>
             </a:r>
-            <a:endParaRPr lang="en-US" dirty="0"/>
           </a:p>
         </p:txBody>
       </p:sp>
@@ -5813,7 +6202,12 @@
             <p:ph sz="quarter" idx="1"/>
           </p:nvPr>
         </p:nvSpPr>
-        <p:spPr/>
+        <p:spPr>
+          <a:xfrm>
+            <a:off x="457200" y="1371600"/>
+            <a:ext cx="8229600" cy="3886200"/>
+          </a:xfrm>
+        </p:spPr>
         <p:txBody>
           <a:bodyPr>
             <a:normAutofit/>
@@ -5825,7 +6219,7 @@
               <a:buAutoNum type="arabicPeriod"/>
             </a:pPr>
             <a:r>
-              <a:rPr lang="en-US" dirty="0" smtClean="0">
+              <a:rPr lang="en-US" dirty="0">
                 <a:solidFill>
                   <a:schemeClr val="tx2"/>
                 </a:solidFill>
@@ -5839,28 +6233,12 @@
               <a:buAutoNum type="arabicPeriod"/>
             </a:pPr>
             <a:r>
-              <a:rPr lang="en-US" sz="2400" dirty="0" smtClean="0">
+              <a:rPr lang="en-US" sz="2400" dirty="0">
                 <a:solidFill>
                   <a:schemeClr val="tx2"/>
                 </a:solidFill>
               </a:rPr>
-              <a:t>Requirements Gathering From </a:t>
-            </a:r>
-            <a:r>
-              <a:rPr lang="en-US" sz="2400" dirty="0" smtClean="0">
-                <a:solidFill>
-                  <a:schemeClr val="tx2"/>
-                </a:solidFill>
-              </a:rPr>
-              <a:t>Existing </a:t>
-            </a:r>
-            <a:r>
-              <a:rPr lang="en-US" dirty="0" smtClean="0">
-                <a:solidFill>
-                  <a:schemeClr val="tx2"/>
-                </a:solidFill>
-              </a:rPr>
-              <a:t>Documentation </a:t>
+              <a:t>Reviewing Existing Mobile Disaster Management System (DMS)</a:t>
             </a:r>
             <a:endParaRPr lang="en-US" dirty="0">
               <a:solidFill>
@@ -5893,7 +6271,7 @@
                   <a:schemeClr val="tx2"/>
                 </a:solidFill>
               </a:rPr>
-              <a:t>Data Collection</a:t>
+              <a:t>Requirement Gathering Approaches</a:t>
             </a:r>
           </a:p>
           <a:p>
@@ -5901,85 +6279,14 @@
               <a:buFont typeface="+mj-lt"/>
               <a:buAutoNum type="arabicPeriod"/>
             </a:pPr>
-            <a:r>
-              <a:rPr lang="en-US" dirty="0" smtClean="0">
-                <a:solidFill>
-                  <a:schemeClr val="tx2"/>
-                </a:solidFill>
-              </a:rPr>
-              <a:t>Business </a:t>
-            </a:r>
             <a:r>
               <a:rPr lang="en-US" dirty="0">
                 <a:solidFill>
                   <a:schemeClr val="tx2"/>
                 </a:solidFill>
               </a:rPr>
-              <a:t>Requirements</a:t>
-            </a:r>
-          </a:p>
-          <a:p>
-            <a:pPr marL="514350" lvl="0" indent="-514350">
-              <a:buFont typeface="+mj-lt"/>
-              <a:buAutoNum type="arabicPeriod"/>
-            </a:pPr>
-            <a:r>
-              <a:rPr lang="en-US" dirty="0">
-                <a:solidFill>
-                  <a:schemeClr val="tx2"/>
-                </a:solidFill>
-              </a:rPr>
-              <a:t>Gather Functional Requirements </a:t>
-            </a:r>
-          </a:p>
-          <a:p>
-            <a:pPr marL="514350" lvl="0" indent="-514350">
-              <a:buFont typeface="+mj-lt"/>
-              <a:buAutoNum type="arabicPeriod"/>
-            </a:pPr>
-            <a:r>
-              <a:rPr lang="en-US" dirty="0">
-                <a:solidFill>
-                  <a:schemeClr val="tx2"/>
-                </a:solidFill>
-              </a:rPr>
-              <a:t>Non-Functional Requirements </a:t>
-            </a:r>
-          </a:p>
-          <a:p>
-            <a:pPr marL="514350" lvl="0" indent="-514350">
-              <a:buFont typeface="+mj-lt"/>
-              <a:buAutoNum type="arabicPeriod"/>
-            </a:pPr>
-            <a:r>
-              <a:rPr lang="en-US" dirty="0" smtClean="0">
-                <a:solidFill>
-                  <a:schemeClr val="tx2"/>
-                </a:solidFill>
-              </a:rPr>
-              <a:t>Manage </a:t>
-            </a:r>
-            <a:r>
-              <a:rPr lang="en-US" dirty="0">
-                <a:solidFill>
-                  <a:schemeClr val="tx2"/>
-                </a:solidFill>
-              </a:rPr>
-              <a:t>Requirements </a:t>
-            </a:r>
-            <a:r>
-              <a:rPr lang="en-US" dirty="0" smtClean="0">
-                <a:solidFill>
-                  <a:schemeClr val="tx2"/>
-                </a:solidFill>
-              </a:rPr>
-              <a:t>Changes</a:t>
-            </a:r>
-            <a:endParaRPr lang="en-US" dirty="0">
-              <a:solidFill>
-                <a:schemeClr val="tx2"/>
-              </a:solidFill>
-            </a:endParaRPr>
+              <a:t>Manage Requirements Changes</a:t>
+            </a:r>
           </a:p>
         </p:txBody>
       </p:sp>
@@ -5987,6 +6294,68 @@
     <p:extLst>
       <p:ext uri="{BB962C8B-B14F-4D97-AF65-F5344CB8AC3E}">
         <p14:creationId xmlns:p14="http://schemas.microsoft.com/office/powerpoint/2010/main" val="1921917946"/>
+      </p:ext>
+    </p:extLst>
+  </p:cSld>
+  <p:clrMapOvr>
+    <a:masterClrMapping/>
+  </p:clrMapOvr>
+</p:sld>
+</file>
+
+<file path=ppt/slides/slide20.xml><?xml version="1.0" encoding="utf-8"?>
+<p:sld xmlns:a="http://schemas.openxmlformats.org/drawingml/2006/main" xmlns:r="http://schemas.openxmlformats.org/officeDocument/2006/relationships" xmlns:p="http://schemas.openxmlformats.org/presentationml/2006/main">
+  <p:cSld>
+    <p:spTree>
+      <p:nvGrpSpPr>
+        <p:cNvPr id="1" name=""/>
+        <p:cNvGrpSpPr/>
+        <p:nvPr/>
+      </p:nvGrpSpPr>
+      <p:grpSpPr>
+        <a:xfrm>
+          <a:off x="0" y="0"/>
+          <a:ext cx="0" cy="0"/>
+          <a:chOff x="0" y="0"/>
+          <a:chExt cx="0" cy="0"/>
+        </a:xfrm>
+      </p:grpSpPr>
+      <p:sp>
+        <p:nvSpPr>
+          <p:cNvPr id="7" name="Title 6"/>
+          <p:cNvSpPr>
+            <a:spLocks noGrp="1"/>
+          </p:cNvSpPr>
+          <p:nvPr>
+            <p:ph type="title"/>
+          </p:nvPr>
+        </p:nvSpPr>
+        <p:spPr>
+          <a:xfrm>
+            <a:off x="457200" y="2362200"/>
+            <a:ext cx="8229600" cy="1752600"/>
+          </a:xfrm>
+        </p:spPr>
+        <p:txBody>
+          <a:bodyPr>
+            <a:noAutofit/>
+          </a:bodyPr>
+          <a:lstStyle/>
+          <a:p>
+            <a:pPr algn="ctr"/>
+            <a:r>
+              <a:rPr lang="en-US" sz="6600" b="1" dirty="0">
+                <a:latin typeface="+mn-lt"/>
+              </a:rPr>
+              <a:t>THE END!!!</a:t>
+            </a:r>
+          </a:p>
+        </p:txBody>
+      </p:sp>
+    </p:spTree>
+    <p:extLst>
+      <p:ext uri="{BB962C8B-B14F-4D97-AF65-F5344CB8AC3E}">
+        <p14:creationId xmlns:p14="http://schemas.microsoft.com/office/powerpoint/2010/main" val="3796263381"/>
       </p:ext>
     </p:extLst>
   </p:cSld>
@@ -6029,10 +6398,9 @@
           <a:lstStyle/>
           <a:p>
             <a:r>
-              <a:rPr lang="en-US" dirty="0" smtClean="0"/>
+              <a:rPr lang="en-US" b="1" dirty="0"/>
               <a:t>1. INTRODUCTION</a:t>
             </a:r>
-            <a:endParaRPr lang="en-US" dirty="0"/>
           </a:p>
         </p:txBody>
       </p:sp>
@@ -6054,42 +6422,16 @@
           <a:lstStyle/>
           <a:p>
             <a:pPr lvl="1"/>
-            <a:endParaRPr lang="en-US" dirty="0" smtClean="0"/>
-          </a:p>
-          <a:p>
-            <a:pPr lvl="1"/>
-            <a:r>
-              <a:rPr lang="en-US" dirty="0" smtClean="0"/>
-              <a:t>Requirement </a:t>
-            </a:r>
-            <a:r>
-              <a:rPr lang="en-US" dirty="0"/>
-              <a:t>gathering is the process of collecting information about what the stakeholders want to </a:t>
-            </a:r>
-            <a:r>
-              <a:rPr lang="en-US" dirty="0" smtClean="0"/>
-              <a:t>achieve.</a:t>
-            </a:r>
-          </a:p>
-          <a:p>
-            <a:pPr lvl="1"/>
-            <a:endParaRPr lang="en-US" dirty="0" smtClean="0"/>
-          </a:p>
-          <a:p>
-            <a:pPr lvl="1"/>
-            <a:r>
-              <a:rPr lang="en-US" dirty="0" smtClean="0"/>
-              <a:t>This </a:t>
-            </a:r>
-            <a:r>
-              <a:rPr lang="en-US" dirty="0"/>
-              <a:t>task ensures there is clarity in the project and ease in its development as all other processes such as the requirement analysis or system design is dependent on what requirements are gathered</a:t>
-            </a:r>
-            <a:r>
-              <a:rPr lang="en-US" dirty="0" smtClean="0"/>
-              <a:t>. </a:t>
-            </a:r>
-            <a:endParaRPr lang="en-US" dirty="0"/>
+            <a:endParaRPr lang="en-US" sz="2800" dirty="0"/>
+          </a:p>
+          <a:p>
+            <a:pPr marL="274320" lvl="1" indent="0">
+              <a:buNone/>
+            </a:pPr>
+            <a:r>
+              <a:rPr lang="en-US" sz="2800" dirty="0"/>
+              <a:t>Requirement gathering is the process of collecting information about what the stakeholders wants.</a:t>
+            </a:r>
           </a:p>
         </p:txBody>
       </p:sp>
@@ -6103,13 +6445,6 @@
   <p:clrMapOvr>
     <a:masterClrMapping/>
   </p:clrMapOvr>
-  <p:timing>
-    <p:tnLst>
-      <p:par>
-        <p:cTn id="1" dur="indefinite" restart="never" nodeType="tmRoot"/>
-      </p:par>
-    </p:tnLst>
-  </p:timing>
 </p:sld>
 </file>
 
@@ -6149,12 +6484,8 @@
           <a:p>
             <a:pPr lvl="0"/>
             <a:r>
-              <a:rPr lang="en-US" dirty="0" smtClean="0"/>
-              <a:t>2. Review </a:t>
-            </a:r>
-            <a:r>
-              <a:rPr lang="en-US" dirty="0"/>
-              <a:t>Existing Documentation </a:t>
+              <a:rPr lang="en-US" b="1" dirty="0"/>
+              <a:t>2. Review Existing Mobile DMS </a:t>
             </a:r>
           </a:p>
         </p:txBody>
@@ -6169,22 +6500,35 @@
             <p:ph sz="quarter" idx="1"/>
           </p:nvPr>
         </p:nvSpPr>
-        <p:spPr/>
+        <p:spPr>
+          <a:xfrm>
+            <a:off x="457200" y="1219200"/>
+            <a:ext cx="8229600" cy="4937760"/>
+          </a:xfrm>
+        </p:spPr>
         <p:txBody>
           <a:bodyPr>
             <a:normAutofit/>
           </a:bodyPr>
           <a:lstStyle/>
           <a:p>
-            <a:endParaRPr lang="en-US" dirty="0" smtClean="0">
+            <a:pPr>
+              <a:buFont typeface="Arial" panose="020B0604020202020204" pitchFamily="34" charset="0"/>
+              <a:buChar char="•"/>
+            </a:pPr>
+            <a:endParaRPr lang="en-US" dirty="0">
               <a:solidFill>
                 <a:schemeClr val="tx2"/>
               </a:solidFill>
             </a:endParaRPr>
           </a:p>
           <a:p>
-            <a:r>
-              <a:rPr lang="en-US" dirty="0" smtClean="0">
+            <a:pPr>
+              <a:buFont typeface="Arial" panose="020B0604020202020204" pitchFamily="34" charset="0"/>
+              <a:buChar char="•"/>
+            </a:pPr>
+            <a:r>
+              <a:rPr lang="en-US" dirty="0">
                 <a:solidFill>
                   <a:schemeClr val="tx2"/>
                 </a:solidFill>
@@ -6193,85 +6537,45 @@
             </a:r>
           </a:p>
           <a:p>
-            <a:endParaRPr lang="en-US" dirty="0" smtClean="0">
-              <a:solidFill>
-                <a:schemeClr val="tx2"/>
-              </a:solidFill>
-            </a:endParaRPr>
-          </a:p>
-          <a:p>
-            <a:r>
-              <a:rPr lang="en-US" dirty="0" smtClean="0">
-                <a:solidFill>
-                  <a:schemeClr val="tx2"/>
-                </a:solidFill>
-              </a:rPr>
-              <a:t>Advantages </a:t>
-            </a:r>
+            <a:pPr>
+              <a:buFont typeface="Arial" panose="020B0604020202020204" pitchFamily="34" charset="0"/>
+              <a:buChar char="•"/>
+            </a:pPr>
             <a:r>
               <a:rPr lang="en-US" dirty="0">
                 <a:solidFill>
                   <a:schemeClr val="tx2"/>
                 </a:solidFill>
               </a:rPr>
-              <a:t>of mobile based disaster management </a:t>
-            </a:r>
-            <a:r>
-              <a:rPr lang="en-US" dirty="0" smtClean="0">
-                <a:solidFill>
-                  <a:schemeClr val="tx2"/>
-                </a:solidFill>
-              </a:rPr>
-              <a:t>system.</a:t>
-            </a:r>
-          </a:p>
-          <a:p>
-            <a:endParaRPr lang="en-US" dirty="0" smtClean="0">
-              <a:solidFill>
-                <a:schemeClr val="tx2"/>
-              </a:solidFill>
-            </a:endParaRPr>
-          </a:p>
-          <a:p>
-            <a:r>
-              <a:rPr lang="en-US" dirty="0" smtClean="0">
-                <a:solidFill>
-                  <a:schemeClr val="tx2"/>
-                </a:solidFill>
-              </a:rPr>
-              <a:t>Limitations </a:t>
-            </a:r>
+              <a:t>Advantages of mobile based disaster management system.</a:t>
+            </a:r>
+          </a:p>
+          <a:p>
+            <a:pPr>
+              <a:buFont typeface="Arial" panose="020B0604020202020204" pitchFamily="34" charset="0"/>
+              <a:buChar char="•"/>
+            </a:pPr>
             <a:r>
               <a:rPr lang="en-US" dirty="0">
                 <a:solidFill>
                   <a:schemeClr val="tx2"/>
                 </a:solidFill>
               </a:rPr>
-              <a:t>of existing </a:t>
-            </a:r>
-            <a:r>
-              <a:rPr lang="en-US" dirty="0" smtClean="0">
-                <a:solidFill>
-                  <a:schemeClr val="tx2"/>
-                </a:solidFill>
-              </a:rPr>
-              <a:t>mobile </a:t>
-            </a:r>
+              <a:t>Limitations of existing mobile based disaster management system.</a:t>
+            </a:r>
+          </a:p>
+          <a:p>
+            <a:pPr>
+              <a:buFont typeface="Arial" panose="020B0604020202020204" pitchFamily="34" charset="0"/>
+              <a:buChar char="•"/>
+            </a:pPr>
             <a:r>
               <a:rPr lang="en-US" dirty="0">
                 <a:solidFill>
                   <a:schemeClr val="tx2"/>
                 </a:solidFill>
               </a:rPr>
-              <a:t>based disaster management </a:t>
-            </a:r>
-            <a:r>
-              <a:rPr lang="en-US" dirty="0" smtClean="0">
-                <a:solidFill>
-                  <a:schemeClr val="tx2"/>
-                </a:solidFill>
-              </a:rPr>
-              <a:t>system.</a:t>
+              <a:t>Advantage of our mobile disaster management system over the existing ones.</a:t>
             </a:r>
           </a:p>
         </p:txBody>
@@ -6286,13 +6590,6 @@
   <p:clrMapOvr>
     <a:masterClrMapping/>
   </p:clrMapOvr>
-  <p:timing>
-    <p:tnLst>
-      <p:par>
-        <p:cTn id="1" dur="indefinite" restart="never" nodeType="tmRoot"/>
-      </p:par>
-    </p:tnLst>
-  </p:timing>
 </p:sld>
 </file>
 
@@ -6332,10 +6629,9 @@
           <a:p>
             <a:pPr lvl="0"/>
             <a:r>
-              <a:rPr lang="en-US" dirty="0" smtClean="0"/>
+              <a:rPr lang="en-US" b="1" dirty="0"/>
               <a:t>3. Identify Stakeholders</a:t>
             </a:r>
-            <a:endParaRPr lang="en-US" dirty="0"/>
           </a:p>
         </p:txBody>
       </p:sp>
@@ -6354,10 +6650,11 @@
           <a:bodyPr/>
           <a:lstStyle/>
           <a:p>
-            <a:pPr lvl="0">
+            <a:pPr marL="0" lvl="0" indent="0">
               <a:lnSpc>
                 <a:spcPct val="150000"/>
               </a:lnSpc>
+              <a:buNone/>
             </a:pPr>
             <a:r>
               <a:rPr lang="en-US" sz="2800" dirty="0">
@@ -6365,49 +6662,8 @@
                   <a:schemeClr val="tx2"/>
                 </a:solidFill>
               </a:rPr>
-              <a:t>Stakeholders in a disaster management system are the individuals, groups, or organizations that have a stake in its success. </a:t>
-            </a:r>
-            <a:endParaRPr lang="en-US" sz="2800" dirty="0" smtClean="0">
-              <a:solidFill>
-                <a:schemeClr val="tx2"/>
-              </a:solidFill>
-            </a:endParaRPr>
-          </a:p>
-          <a:p>
-            <a:pPr lvl="0">
-              <a:lnSpc>
-                <a:spcPct val="150000"/>
-              </a:lnSpc>
-            </a:pPr>
-            <a:r>
-              <a:rPr lang="en-US" sz="2800" dirty="0" smtClean="0">
-                <a:solidFill>
-                  <a:schemeClr val="tx2"/>
-                </a:solidFill>
-              </a:rPr>
-              <a:t>They </a:t>
-            </a:r>
-            <a:r>
-              <a:rPr lang="en-US" sz="2800" dirty="0">
-                <a:solidFill>
-                  <a:schemeClr val="tx2"/>
-                </a:solidFill>
-              </a:rPr>
-              <a:t>can be impacted by disasters or play a role in mitigating them, preparing for them, responding to them, or recovering from them</a:t>
-            </a:r>
-            <a:r>
-              <a:rPr lang="en-US" sz="2800" dirty="0" smtClean="0">
-                <a:solidFill>
-                  <a:schemeClr val="tx2"/>
-                </a:solidFill>
-              </a:rPr>
-              <a:t>.</a:t>
-            </a:r>
-            <a:endParaRPr lang="en-US" dirty="0">
-              <a:solidFill>
-                <a:schemeClr val="tx2"/>
-              </a:solidFill>
-            </a:endParaRPr>
+              <a:t>Stakeholders in a disaster management system are the individuals, groups, or organizations that have a stake in its success or failure.</a:t>
+            </a:r>
           </a:p>
         </p:txBody>
       </p:sp>
@@ -6421,13 +6677,6 @@
   <p:clrMapOvr>
     <a:masterClrMapping/>
   </p:clrMapOvr>
-  <p:timing>
-    <p:tnLst>
-      <p:par>
-        <p:cTn id="1" dur="indefinite" restart="never" nodeType="tmRoot"/>
-      </p:par>
-    </p:tnLst>
-  </p:timing>
 </p:sld>
 </file>
 
@@ -6464,7 +6713,7 @@
           <a:lstStyle/>
           <a:p>
             <a:r>
-              <a:rPr lang="en-US" dirty="0"/>
+              <a:rPr lang="en-US" b="1" dirty="0"/>
               <a:t>3. Identify Stakeholders</a:t>
             </a:r>
           </a:p>
@@ -6596,7 +6845,7 @@
         </p:nvSpPr>
         <p:spPr>
           <a:xfrm>
-            <a:off x="379742" y="4248390"/>
+            <a:off x="487166" y="4591290"/>
             <a:ext cx="2381250" cy="685800"/>
           </a:xfrm>
           <a:prstGeom prst="roundRect">
@@ -6656,7 +6905,7 @@
         </p:nvSpPr>
         <p:spPr>
           <a:xfrm>
-            <a:off x="6472143" y="4248390"/>
+            <a:off x="6284568" y="4591290"/>
             <a:ext cx="2402232" cy="685800"/>
           </a:xfrm>
           <a:prstGeom prst="roundRect">
@@ -6693,7 +6942,7 @@
               <a:buNone/>
             </a:pPr>
             <a:r>
-              <a:rPr lang="en-US" sz="1800" b="0" i="0" u="none" strike="noStrike" cap="none">
+              <a:rPr lang="en-US" sz="1800" b="0" i="0" u="none" strike="noStrike" cap="none" dirty="0">
                 <a:solidFill>
                   <a:schemeClr val="lt1"/>
                 </a:solidFill>
@@ -6704,7 +6953,7 @@
               </a:rPr>
               <a:t>GOVERNMENT AGENCIES</a:t>
             </a:r>
-            <a:endParaRPr/>
+            <a:endParaRPr dirty="0"/>
           </a:p>
         </p:txBody>
       </p:sp>
@@ -6716,7 +6965,7 @@
         </p:nvSpPr>
         <p:spPr>
           <a:xfrm>
-            <a:off x="6553199" y="2830176"/>
+            <a:off x="6705600" y="2830176"/>
             <a:ext cx="1833719" cy="685800"/>
           </a:xfrm>
           <a:prstGeom prst="roundRect">
@@ -6838,13 +7087,6 @@
   <p:clrMapOvr>
     <a:masterClrMapping/>
   </p:clrMapOvr>
-  <p:timing>
-    <p:tnLst>
-      <p:par>
-        <p:cTn id="1" dur="indefinite" restart="never" nodeType="tmRoot"/>
-      </p:par>
-    </p:tnLst>
-  </p:timing>
 </p:sld>
 </file>
 
@@ -6889,7 +7131,7 @@
               </a:spcBef>
             </a:pPr>
             <a:r>
-              <a:rPr lang="en-US" dirty="0">
+              <a:rPr lang="en-US" b="1" dirty="0">
                 <a:ea typeface="Arial"/>
                 <a:cs typeface="Arial"/>
                 <a:sym typeface="Arial"/>
@@ -6912,7 +7154,7 @@
         <p:spPr/>
         <p:txBody>
           <a:bodyPr>
-            <a:normAutofit fontScale="62500" lnSpcReduction="20000"/>
+            <a:normAutofit/>
           </a:bodyPr>
           <a:lstStyle/>
           <a:p>
@@ -6931,7 +7173,7 @@
               <a:buAutoNum type="arabicPeriod"/>
             </a:pPr>
             <a:r>
-              <a:rPr lang="en-US" sz="3800" dirty="0" smtClean="0">
+              <a:rPr lang="en-US" dirty="0">
                 <a:solidFill>
                   <a:schemeClr val="tx2"/>
                 </a:solidFill>
@@ -6939,21 +7181,10 @@
                 <a:cs typeface="Arial"/>
                 <a:sym typeface="Arial"/>
               </a:rPr>
-              <a:t>Citizens</a:t>
-            </a:r>
-            <a:r>
-              <a:rPr lang="en-US" sz="3800" dirty="0">
-                <a:solidFill>
-                  <a:schemeClr val="tx2"/>
-                </a:solidFill>
-                <a:ea typeface="Arial"/>
-                <a:cs typeface="Arial"/>
-                <a:sym typeface="Arial"/>
-              </a:rPr>
-              <a:t>: </a:t>
-            </a:r>
-            <a:r>
-              <a:rPr lang="en-US" sz="3800" b="1" dirty="0">
+              <a:t>Citizens: </a:t>
+            </a:r>
+            <a:r>
+              <a:rPr lang="en-US" b="1" dirty="0">
                 <a:solidFill>
                   <a:schemeClr val="tx2"/>
                 </a:solidFill>
@@ -6964,7 +7195,7 @@
               <a:t>Prepared, informed, engaged</a:t>
             </a:r>
             <a:r>
-              <a:rPr lang="en-US" sz="3800" dirty="0">
+              <a:rPr lang="en-US" dirty="0">
                 <a:solidFill>
                   <a:schemeClr val="tx2"/>
                 </a:solidFill>
@@ -6974,7 +7205,7 @@
               </a:rPr>
               <a:t> for effective response.</a:t>
             </a:r>
-            <a:endParaRPr lang="en-US" sz="3800" dirty="0">
+            <a:endParaRPr lang="en-US" dirty="0">
               <a:solidFill>
                 <a:schemeClr val="tx2"/>
               </a:solidFill>
@@ -6996,7 +7227,7 @@
               <a:buAutoNum type="arabicPeriod"/>
             </a:pPr>
             <a:r>
-              <a:rPr lang="en-US" sz="3800" dirty="0">
+              <a:rPr lang="en-US" dirty="0">
                 <a:solidFill>
                   <a:schemeClr val="tx2"/>
                 </a:solidFill>
@@ -7007,7 +7238,7 @@
               <a:t>Emergency Responders: </a:t>
             </a:r>
             <a:r>
-              <a:rPr lang="en-US" sz="3800" b="1" dirty="0">
+              <a:rPr lang="en-US" b="1" dirty="0">
                 <a:solidFill>
                   <a:schemeClr val="tx2"/>
                 </a:solidFill>
@@ -7018,7 +7249,7 @@
               <a:t>Trained, equipped, frontline heroes</a:t>
             </a:r>
             <a:r>
-              <a:rPr lang="en-US" sz="3800" dirty="0">
+              <a:rPr lang="en-US" dirty="0">
                 <a:solidFill>
                   <a:schemeClr val="tx2"/>
                 </a:solidFill>
@@ -7028,7 +7259,7 @@
               </a:rPr>
               <a:t> saving lives.</a:t>
             </a:r>
-            <a:endParaRPr lang="en-US" sz="3800" dirty="0">
+            <a:endParaRPr lang="en-US" dirty="0">
               <a:solidFill>
                 <a:schemeClr val="tx2"/>
               </a:solidFill>
@@ -7050,7 +7281,7 @@
               <a:buAutoNum type="arabicPeriod"/>
             </a:pPr>
             <a:r>
-              <a:rPr lang="en-US" sz="3800" dirty="0">
+              <a:rPr lang="en-US" dirty="0">
                 <a:solidFill>
                   <a:schemeClr val="tx2"/>
                 </a:solidFill>
@@ -7061,7 +7292,7 @@
               <a:t>Government Agencies: </a:t>
             </a:r>
             <a:r>
-              <a:rPr lang="en-US" sz="3800" b="1" dirty="0">
+              <a:rPr lang="en-US" b="1" dirty="0">
                 <a:solidFill>
                   <a:schemeClr val="tx2"/>
                 </a:solidFill>
@@ -7072,7 +7303,7 @@
               <a:t>Plan, mitigate, lead recovery</a:t>
             </a:r>
             <a:r>
-              <a:rPr lang="en-US" sz="3800" dirty="0">
+              <a:rPr lang="en-US" dirty="0">
                 <a:solidFill>
                   <a:schemeClr val="tx2"/>
                 </a:solidFill>
@@ -7082,7 +7313,7 @@
               </a:rPr>
               <a:t> for resilient communities.</a:t>
             </a:r>
-            <a:endParaRPr lang="en-US" sz="3800" dirty="0">
+            <a:endParaRPr lang="en-US" dirty="0">
               <a:solidFill>
                 <a:schemeClr val="tx2"/>
               </a:solidFill>
@@ -7104,7 +7335,7 @@
               <a:buAutoNum type="arabicPeriod"/>
             </a:pPr>
             <a:r>
-              <a:rPr lang="en-US" sz="3800" dirty="0">
+              <a:rPr lang="en-US" dirty="0">
                 <a:solidFill>
                   <a:schemeClr val="tx2"/>
                 </a:solidFill>
@@ -7115,7 +7346,7 @@
               <a:t>NGOs: </a:t>
             </a:r>
             <a:r>
-              <a:rPr lang="en-US" sz="3800" b="1" dirty="0">
+              <a:rPr lang="en-US" b="1" dirty="0">
                 <a:solidFill>
                   <a:schemeClr val="tx2"/>
                 </a:solidFill>
@@ -7126,7 +7357,7 @@
               <a:t>Humanitarian aid, relief supplies, long-term support</a:t>
             </a:r>
             <a:r>
-              <a:rPr lang="en-US" sz="3800" dirty="0">
+              <a:rPr lang="en-US" dirty="0">
                 <a:solidFill>
                   <a:schemeClr val="tx2"/>
                 </a:solidFill>
@@ -7136,7 +7367,7 @@
               </a:rPr>
               <a:t> for rebuilding.</a:t>
             </a:r>
-            <a:endParaRPr lang="en-US" sz="3800" dirty="0">
+            <a:endParaRPr lang="en-US" dirty="0">
               <a:solidFill>
                 <a:schemeClr val="tx2"/>
               </a:solidFill>
@@ -7158,7 +7389,7 @@
               <a:buAutoNum type="arabicPeriod"/>
             </a:pPr>
             <a:r>
-              <a:rPr lang="en-US" sz="3800" dirty="0">
+              <a:rPr lang="en-US" dirty="0">
                 <a:solidFill>
                   <a:schemeClr val="tx2"/>
                 </a:solidFill>
@@ -7169,7 +7400,7 @@
               <a:t>Media: </a:t>
             </a:r>
             <a:r>
-              <a:rPr lang="en-US" sz="3800" b="1" dirty="0">
+              <a:rPr lang="en-US" b="1" dirty="0">
                 <a:solidFill>
                   <a:schemeClr val="tx2"/>
                 </a:solidFill>
@@ -7180,7 +7411,7 @@
               <a:t>Inform, raise awareness, report</a:t>
             </a:r>
             <a:r>
-              <a:rPr lang="en-US" sz="3800" dirty="0">
+              <a:rPr lang="en-US" dirty="0">
                 <a:solidFill>
                   <a:schemeClr val="tx2"/>
                 </a:solidFill>
@@ -7188,99 +7419,8 @@
                 <a:cs typeface="Arial"/>
                 <a:sym typeface="Arial"/>
               </a:rPr>
-              <a:t> for prepared and informed communities</a:t>
-            </a:r>
-            <a:r>
-              <a:rPr lang="en-US" sz="3800" dirty="0" smtClean="0">
-                <a:solidFill>
-                  <a:schemeClr val="tx2"/>
-                </a:solidFill>
-                <a:ea typeface="Arial"/>
-                <a:cs typeface="Arial"/>
-                <a:sym typeface="Arial"/>
-              </a:rPr>
-              <a:t>.</a:t>
-            </a:r>
-          </a:p>
-          <a:p>
-            <a:pPr marL="0" lvl="0" indent="0">
-              <a:lnSpc>
-                <a:spcPct val="120000"/>
-              </a:lnSpc>
-              <a:spcBef>
-                <a:spcPts val="0"/>
-              </a:spcBef>
-              <a:buClr>
-                <a:srgbClr val="1F1F1F"/>
-              </a:buClr>
-              <a:buSzPts val="2000"/>
-              <a:buNone/>
-            </a:pPr>
-            <a:endParaRPr lang="en-US" sz="3800" dirty="0" smtClean="0">
-              <a:solidFill>
-                <a:schemeClr val="tx2"/>
-              </a:solidFill>
-              <a:ea typeface="Arial"/>
-              <a:cs typeface="Arial"/>
-              <a:sym typeface="Arial"/>
-            </a:endParaRPr>
-          </a:p>
-          <a:p>
-            <a:pPr marL="0" indent="0">
-              <a:lnSpc>
-                <a:spcPct val="120000"/>
-              </a:lnSpc>
-              <a:spcBef>
-                <a:spcPts val="0"/>
-              </a:spcBef>
-              <a:buClr>
-                <a:srgbClr val="1F1F1F"/>
-              </a:buClr>
-              <a:buSzPts val="2000"/>
-              <a:buNone/>
-            </a:pPr>
-            <a:r>
-              <a:rPr lang="en-US" sz="4200" dirty="0" smtClean="0">
-                <a:solidFill>
-                  <a:schemeClr val="tx2"/>
-                </a:solidFill>
-                <a:latin typeface="Gill Sans MT" panose="020B0502020104020203" pitchFamily="34" charset="0"/>
-                <a:ea typeface="Libre Franklin"/>
-                <a:cs typeface="Libre Franklin"/>
-                <a:sym typeface="Libre Franklin"/>
-              </a:rPr>
-              <a:t>By </a:t>
-            </a:r>
-            <a:r>
-              <a:rPr lang="en-US" sz="4200" dirty="0">
-                <a:solidFill>
-                  <a:schemeClr val="tx2"/>
-                </a:solidFill>
-                <a:latin typeface="Gill Sans MT" panose="020B0502020104020203" pitchFamily="34" charset="0"/>
-                <a:ea typeface="Libre Franklin"/>
-                <a:cs typeface="Libre Franklin"/>
-                <a:sym typeface="Libre Franklin"/>
-              </a:rPr>
-              <a:t>uniting these stakeholders, we can build stronger, more resilient communities</a:t>
-            </a:r>
-            <a:r>
-              <a:rPr lang="en-US" sz="4200" dirty="0" smtClean="0">
-                <a:solidFill>
-                  <a:schemeClr val="tx2"/>
-                </a:solidFill>
-                <a:latin typeface="Gill Sans MT" panose="020B0502020104020203" pitchFamily="34" charset="0"/>
-                <a:ea typeface="Libre Franklin"/>
-                <a:cs typeface="Libre Franklin"/>
-                <a:sym typeface="Libre Franklin"/>
-              </a:rPr>
-              <a:t>.</a:t>
-            </a:r>
-            <a:endParaRPr lang="en-US" sz="2500" dirty="0">
-              <a:solidFill>
-                <a:schemeClr val="tx2"/>
-              </a:solidFill>
-              <a:latin typeface="Gill Sans MT" panose="020B0502020104020203" pitchFamily="34" charset="0"/>
-            </a:endParaRPr>
+              <a:t> for prepared and informed communities.</a:t>
+            </a:r>
           </a:p>
         </p:txBody>
       </p:sp>
@@ -7294,13 +7434,6 @@
   <p:clrMapOvr>
     <a:masterClrMapping/>
   </p:clrMapOvr>
-  <p:timing>
-    <p:tnLst>
-      <p:par>
-        <p:cTn id="1" dur="indefinite" restart="never" nodeType="tmRoot"/>
-      </p:par>
-    </p:tnLst>
-  </p:timing>
 </p:sld>
 </file>
 
@@ -7331,98 +7464,103 @@
             <p:ph type="title"/>
           </p:nvPr>
         </p:nvSpPr>
+        <p:spPr>
+          <a:xfrm>
+            <a:off x="457200" y="152400"/>
+            <a:ext cx="8458200" cy="990600"/>
+          </a:xfrm>
+        </p:spPr>
+        <p:txBody>
+          <a:bodyPr>
+            <a:normAutofit/>
+          </a:bodyPr>
+          <a:lstStyle/>
+          <a:p>
+            <a:r>
+              <a:rPr lang="en-US" b="1" dirty="0"/>
+              <a:t>4. Requirement Gathering Approaches</a:t>
+            </a:r>
+          </a:p>
+        </p:txBody>
+      </p:sp>
+      <p:sp>
+        <p:nvSpPr>
+          <p:cNvPr id="3" name="Content Placeholder 2"/>
+          <p:cNvSpPr>
+            <a:spLocks noGrp="1"/>
+          </p:cNvSpPr>
+          <p:nvPr>
+            <p:ph sz="quarter" idx="1"/>
+          </p:nvPr>
+        </p:nvSpPr>
         <p:spPr/>
         <p:txBody>
           <a:bodyPr/>
           <a:lstStyle/>
           <a:p>
-            <a:r>
-              <a:rPr lang="en-US" dirty="0"/>
-              <a:t>4</a:t>
-            </a:r>
-            <a:r>
-              <a:rPr lang="en-US" dirty="0" smtClean="0"/>
-              <a:t>. Data </a:t>
-            </a:r>
-            <a:r>
-              <a:rPr lang="en-US" dirty="0"/>
-              <a:t>Collection</a:t>
-            </a:r>
-          </a:p>
-        </p:txBody>
-      </p:sp>
-      <p:sp>
-        <p:nvSpPr>
-          <p:cNvPr id="3" name="Content Placeholder 2"/>
-          <p:cNvSpPr>
-            <a:spLocks noGrp="1"/>
-          </p:cNvSpPr>
-          <p:nvPr>
-            <p:ph sz="quarter" idx="1"/>
-          </p:nvPr>
-        </p:nvSpPr>
-        <p:spPr/>
-        <p:txBody>
-          <a:bodyPr/>
-          <a:lstStyle/>
-          <a:p>
-            <a:endParaRPr lang="en-US" dirty="0" smtClean="0">
+            <a:endParaRPr lang="en-US" dirty="0">
               <a:solidFill>
                 <a:schemeClr val="tx2"/>
               </a:solidFill>
             </a:endParaRPr>
           </a:p>
           <a:p>
-            <a:r>
-              <a:rPr lang="en-US" dirty="0" smtClean="0">
-                <a:solidFill>
-                  <a:schemeClr val="tx2"/>
-                </a:solidFill>
-              </a:rPr>
-              <a:t>It refers </a:t>
-            </a:r>
+            <a:pPr marL="0" indent="0">
+              <a:buNone/>
+            </a:pPr>
             <a:r>
               <a:rPr lang="en-US" dirty="0">
                 <a:solidFill>
                   <a:schemeClr val="tx2"/>
                 </a:solidFill>
               </a:rPr>
-              <a:t>to the process of gathering and capturing relevant </a:t>
-            </a:r>
-            <a:r>
-              <a:rPr lang="en-US" dirty="0" smtClean="0">
-                <a:solidFill>
-                  <a:schemeClr val="tx2"/>
-                </a:solidFill>
-              </a:rPr>
-              <a:t>data necessary </a:t>
-            </a:r>
+              <a:t>Our requirement gathering process involved 4 methods:</a:t>
+            </a:r>
+          </a:p>
+          <a:p>
+            <a:pPr marL="0" indent="0">
+              <a:buNone/>
+            </a:pPr>
+            <a:endParaRPr lang="en-US" dirty="0">
+              <a:solidFill>
+                <a:schemeClr val="tx2"/>
+              </a:solidFill>
+            </a:endParaRPr>
+          </a:p>
+          <a:p>
+            <a:pPr marL="731520" lvl="1" indent="-457200">
+              <a:buFont typeface="+mj-lt"/>
+              <a:buAutoNum type="arabicPeriod"/>
+            </a:pPr>
+            <a:r>
+              <a:rPr lang="en-US" dirty="0"/>
+              <a:t>Web-based Survey</a:t>
+            </a:r>
+          </a:p>
+          <a:p>
+            <a:pPr marL="731520" lvl="1" indent="-457200">
+              <a:buFont typeface="+mj-lt"/>
+              <a:buAutoNum type="arabicPeriod"/>
+            </a:pPr>
+            <a:r>
+              <a:rPr lang="en-US" dirty="0"/>
+              <a:t>Document Review</a:t>
+            </a:r>
+          </a:p>
+          <a:p>
+            <a:pPr marL="731520" lvl="1" indent="-457200">
+              <a:buFont typeface="+mj-lt"/>
+              <a:buAutoNum type="arabicPeriod"/>
+            </a:pPr>
             <a:r>
               <a:rPr lang="en-US" dirty="0">
                 <a:solidFill>
                   <a:schemeClr val="tx2"/>
                 </a:solidFill>
               </a:rPr>
-              <a:t>for defining and understanding the requirements of a project</a:t>
-            </a:r>
-            <a:r>
-              <a:rPr lang="en-US" dirty="0" smtClean="0">
-                <a:solidFill>
-                  <a:schemeClr val="tx2"/>
-                </a:solidFill>
-              </a:rPr>
-              <a:t>.</a:t>
-            </a:r>
-          </a:p>
-          <a:p>
-            <a:r>
-              <a:rPr lang="en-US" dirty="0" smtClean="0">
-                <a:solidFill>
-                  <a:schemeClr val="tx2"/>
-                </a:solidFill>
-              </a:rPr>
-              <a:t>It involves 3 methods:</a:t>
-            </a:r>
+              <a:t>Citizen interview</a:t>
+            </a:r>
+            <a:endParaRPr lang="en-US" dirty="0"/>
           </a:p>
           <a:p>
             <a:pPr marL="731520" lvl="1" indent="-457200">
@@ -7430,38 +7568,9 @@
               <a:buAutoNum type="arabicPeriod"/>
             </a:pPr>
             <a:r>
-              <a:rPr lang="en-US" dirty="0" smtClean="0"/>
-              <a:t>Web-based Survey</a:t>
-            </a:r>
-          </a:p>
-          <a:p>
-            <a:pPr marL="731520" lvl="1" indent="-457200">
-              <a:buFont typeface="+mj-lt"/>
-              <a:buAutoNum type="arabicPeriod"/>
-            </a:pPr>
-            <a:r>
-              <a:rPr lang="en-US" dirty="0" smtClean="0">
-                <a:solidFill>
-                  <a:schemeClr val="tx2"/>
-                </a:solidFill>
-              </a:rPr>
-              <a:t>Citizen interview</a:t>
-            </a:r>
-          </a:p>
-          <a:p>
-            <a:pPr marL="731520" lvl="1" indent="-457200">
-              <a:buFont typeface="+mj-lt"/>
-              <a:buAutoNum type="arabicPeriod"/>
-            </a:pPr>
-            <a:r>
-              <a:rPr lang="en-US" dirty="0" smtClean="0"/>
-              <a:t>Document Review</a:t>
-            </a:r>
-            <a:endParaRPr lang="en-US" dirty="0" smtClean="0">
-              <a:solidFill>
-                <a:schemeClr val="tx2"/>
-              </a:solidFill>
-            </a:endParaRPr>
+              <a:rPr lang="en-US" dirty="0"/>
+              <a:t>Brainstorming</a:t>
+            </a:r>
           </a:p>
         </p:txBody>
       </p:sp>
@@ -7475,13 +7584,6 @@
   <p:clrMapOvr>
     <a:masterClrMapping/>
   </p:clrMapOvr>
-  <p:timing>
-    <p:tnLst>
-      <p:par>
-        <p:cTn id="1" dur="indefinite" restart="never" nodeType="tmRoot"/>
-      </p:par>
-    </p:tnLst>
-  </p:timing>
 </p:sld>
 </file>
 
@@ -7521,10 +7623,9 @@
           <a:p>
             <a:pPr lvl="0"/>
             <a:r>
-              <a:rPr lang="en-US" dirty="0" smtClean="0"/>
+              <a:rPr lang="en-US" b="1" dirty="0"/>
               <a:t>Web-base Survey Form</a:t>
             </a:r>
-            <a:endParaRPr lang="en-US" dirty="0"/>
           </a:p>
         </p:txBody>
       </p:sp>
@@ -7547,13 +7648,6 @@
         <p:txBody>
           <a:bodyPr/>
           <a:lstStyle/>
-          <a:p>
-            <a:endParaRPr lang="en-US" sz="1600" dirty="0" smtClean="0">
-              <a:solidFill>
-                <a:schemeClr val="tx2"/>
-              </a:solidFill>
-            </a:endParaRPr>
-          </a:p>
           <a:p>
             <a:endParaRPr lang="en-US" sz="1600" dirty="0">
               <a:solidFill>
@@ -7562,13 +7656,6 @@
             </a:endParaRPr>
           </a:p>
           <a:p>
-            <a:endParaRPr lang="en-US" sz="1600" dirty="0" smtClean="0">
-              <a:solidFill>
-                <a:schemeClr val="tx2"/>
-              </a:solidFill>
-            </a:endParaRPr>
-          </a:p>
-          <a:p>
             <a:endParaRPr lang="en-US" sz="1600" dirty="0">
               <a:solidFill>
                 <a:schemeClr val="tx2"/>
@@ -7576,61 +7663,46 @@
             </a:endParaRPr>
           </a:p>
           <a:p>
-            <a:endParaRPr lang="en-US" sz="1600" dirty="0" smtClean="0">
+            <a:endParaRPr lang="en-US" sz="1600" dirty="0">
               <a:solidFill>
                 <a:schemeClr val="tx2"/>
               </a:solidFill>
             </a:endParaRPr>
           </a:p>
           <a:p>
-            <a:r>
-              <a:rPr lang="en-US" sz="1600" dirty="0" smtClean="0">
-                <a:solidFill>
-                  <a:schemeClr val="tx2"/>
-                </a:solidFill>
-              </a:rPr>
-              <a:t>LINK </a:t>
-            </a:r>
+            <a:endParaRPr lang="en-US" sz="1600" dirty="0">
+              <a:solidFill>
+                <a:schemeClr val="tx2"/>
+              </a:solidFill>
+            </a:endParaRPr>
+          </a:p>
+          <a:p>
+            <a:endParaRPr lang="en-US" sz="1600" dirty="0">
+              <a:solidFill>
+                <a:schemeClr val="tx2"/>
+              </a:solidFill>
+            </a:endParaRPr>
+          </a:p>
+          <a:p>
             <a:r>
               <a:rPr lang="en-US" sz="1600" dirty="0">
                 <a:solidFill>
                   <a:schemeClr val="tx2"/>
                 </a:solidFill>
               </a:rPr>
-              <a:t>: https://forms.gle/7ctGEsQNciEiSxNv8</a:t>
+              <a:t>LINK : https://forms.gle/7ctGEsQNciEiSxNv8</a:t>
             </a:r>
           </a:p>
           <a:p>
             <a:pPr lvl="0"/>
-            <a:r>
-              <a:rPr lang="en-US" sz="2000" dirty="0" smtClean="0">
-                <a:solidFill>
-                  <a:schemeClr val="tx2"/>
-                </a:solidFill>
-              </a:rPr>
-              <a:t>Quick </a:t>
-            </a:r>
             <a:r>
               <a:rPr lang="en-US" sz="2000" dirty="0">
                 <a:solidFill>
                   <a:schemeClr val="tx2"/>
                 </a:solidFill>
               </a:rPr>
-              <a:t>&amp; Wide Reach, Secure Data on Awareness &amp; Mitigation</a:t>
-            </a:r>
-            <a:r>
-              <a:rPr lang="en-US" sz="2000" dirty="0" smtClean="0">
-                <a:solidFill>
-                  <a:schemeClr val="tx2"/>
-                </a:solidFill>
-              </a:rPr>
-              <a:t>.</a:t>
-            </a:r>
-            <a:endParaRPr lang="en-US" sz="2000" dirty="0">
-              <a:solidFill>
-                <a:schemeClr val="tx2"/>
-              </a:solidFill>
-            </a:endParaRPr>
+              <a:t>Quick &amp; Wide Reach, Secure Data on Awareness &amp; Mitigation.</a:t>
+            </a:r>
           </a:p>
         </p:txBody>
       </p:sp>
